--- a/pub/Education/ASP2016/AfricaGridSchoolMaterials/Intro_Anal_Ex.pptx
+++ b/pub/Education/ASP2016/AfricaGridSchoolMaterials/Intro_Anal_Ex.pptx
@@ -9,10 +9,10 @@
     <p:sldMasterId id="2147483684" r:id="rId5"/>
   </p:sldMasterIdLst>
   <p:notesMasterIdLst>
-    <p:notesMasterId r:id="rId20"/>
+    <p:notesMasterId r:id="rId21"/>
   </p:notesMasterIdLst>
   <p:handoutMasterIdLst>
-    <p:handoutMasterId r:id="rId21"/>
+    <p:handoutMasterId r:id="rId22"/>
   </p:handoutMasterIdLst>
   <p:sldIdLst>
     <p:sldId id="256" r:id="rId6"/>
@@ -23,12 +23,13 @@
     <p:sldId id="259" r:id="rId11"/>
     <p:sldId id="261" r:id="rId12"/>
     <p:sldId id="260" r:id="rId13"/>
-    <p:sldId id="262" r:id="rId14"/>
-    <p:sldId id="263" r:id="rId15"/>
+    <p:sldId id="270" r:id="rId14"/>
+    <p:sldId id="268" r:id="rId15"/>
     <p:sldId id="266" r:id="rId16"/>
-    <p:sldId id="268" r:id="rId17"/>
-    <p:sldId id="267" r:id="rId18"/>
-    <p:sldId id="269" r:id="rId19"/>
+    <p:sldId id="267" r:id="rId17"/>
+    <p:sldId id="269" r:id="rId18"/>
+    <p:sldId id="262" r:id="rId19"/>
+    <p:sldId id="263" r:id="rId20"/>
   </p:sldIdLst>
   <p:sldSz cx="9144000" cy="6858000" type="screen4x3"/>
   <p:notesSz cx="6858000" cy="9144000"/>
@@ -213,7 +214,7 @@
             <a:fld id="{FFD9351E-39D2-408B-953C-061215381C0E}" type="datetimeFigureOut">
               <a:rPr lang="en-US" smtClean="0"/>
               <a:pPr/>
-              <a:t>8/22/14</a:t>
+              <a:t>8/26/14</a:t>
             </a:fld>
             <a:endParaRPr lang="en-US"/>
           </a:p>
@@ -385,7 +386,7 @@
             <a:fld id="{22CABBE9-C9C6-46DE-8D54-D13C80DFF90B}" type="datetimeFigureOut">
               <a:rPr lang="en-US" smtClean="0"/>
               <a:pPr/>
-              <a:t>8/22/14</a:t>
+              <a:t>8/26/14</a:t>
             </a:fld>
             <a:endParaRPr lang="en-US"/>
           </a:p>
@@ -1052,9 +1053,9 @@
           <a:p>
             <a:r>
               <a:rPr lang="en-US" smtClean="0"/>
-              <a:t>8/6-8/2012</a:t>
-            </a:r>
-            <a:endParaRPr lang="en-US"/>
+              <a:t>8/21-22/2014</a:t>
+            </a:r>
+            <a:endParaRPr lang="en-US" dirty="0"/>
           </a:p>
         </p:txBody>
       </p:sp>
@@ -1074,10 +1075,14 @@
           <a:lstStyle/>
           <a:p>
             <a:r>
-              <a:rPr lang="en-US" smtClean="0"/>
-              <a:t>ASP2012 Grid School</a:t>
-            </a:r>
-            <a:endParaRPr lang="en-US"/>
+              <a:rPr lang="en-US" dirty="0" smtClean="0"/>
+              <a:t>ASP2014 </a:t>
+            </a:r>
+            <a:r>
+              <a:rPr lang="en-US" dirty="0" smtClean="0"/>
+              <a:t>Grid School</a:t>
+            </a:r>
+            <a:endParaRPr lang="en-US" dirty="0"/>
           </a:p>
         </p:txBody>
       </p:sp>
@@ -1222,7 +1227,7 @@
           <a:p>
             <a:r>
               <a:rPr lang="en-US" smtClean="0"/>
-              <a:t>8/6-8/2012</a:t>
+              <a:t>8/21-22/2014</a:t>
             </a:r>
             <a:endParaRPr lang="en-US"/>
           </a:p>
@@ -1245,7 +1250,7 @@
           <a:p>
             <a:r>
               <a:rPr lang="en-US" smtClean="0"/>
-              <a:t>ASP2012 Grid School</a:t>
+              <a:t>ASP2014 Grid School</a:t>
             </a:r>
             <a:endParaRPr lang="en-US"/>
           </a:p>
@@ -1402,7 +1407,7 @@
           <a:p>
             <a:r>
               <a:rPr lang="en-US" smtClean="0"/>
-              <a:t>8/6-8/2012</a:t>
+              <a:t>8/21-22/2014</a:t>
             </a:r>
             <a:endParaRPr lang="en-US"/>
           </a:p>
@@ -1425,7 +1430,7 @@
           <a:p>
             <a:r>
               <a:rPr lang="en-US" smtClean="0"/>
-              <a:t>ASP2012 Grid School</a:t>
+              <a:t>ASP2014 Grid School</a:t>
             </a:r>
             <a:endParaRPr lang="en-US"/>
           </a:p>
@@ -1642,11 +1647,10 @@
           <a:bodyPr/>
           <a:lstStyle/>
           <a:p>
-            <a:fld id="{CC854CD9-BC99-4E5F-A058-EA0FD424C359}" type="datetimeFigureOut">
-              <a:rPr lang="en-US" smtClean="0"/>
-              <a:pPr/>
-              <a:t>8/22/14</a:t>
-            </a:fld>
+            <a:r>
+              <a:rPr lang="en-US" smtClean="0"/>
+              <a:t>8/21-22/2014</a:t>
+            </a:r>
             <a:endParaRPr lang="en-US"/>
           </a:p>
         </p:txBody>
@@ -1666,6 +1670,10 @@
           <a:bodyPr/>
           <a:lstStyle/>
           <a:p>
+            <a:r>
+              <a:rPr lang="en-US" smtClean="0"/>
+              <a:t>ASP2014 Grid School</a:t>
+            </a:r>
             <a:endParaRPr lang="en-US"/>
           </a:p>
         </p:txBody>
@@ -1809,11 +1817,10 @@
           <a:bodyPr/>
           <a:lstStyle/>
           <a:p>
-            <a:fld id="{CC854CD9-BC99-4E5F-A058-EA0FD424C359}" type="datetimeFigureOut">
-              <a:rPr lang="en-US" smtClean="0"/>
-              <a:pPr/>
-              <a:t>8/22/14</a:t>
-            </a:fld>
+            <a:r>
+              <a:rPr lang="en-US" smtClean="0"/>
+              <a:t>8/21-22/2014</a:t>
+            </a:r>
             <a:endParaRPr lang="en-US"/>
           </a:p>
         </p:txBody>
@@ -1833,6 +1840,10 @@
           <a:bodyPr/>
           <a:lstStyle/>
           <a:p>
+            <a:r>
+              <a:rPr lang="en-US" smtClean="0"/>
+              <a:t>ASP2014 Grid School</a:t>
+            </a:r>
             <a:endParaRPr lang="en-US"/>
           </a:p>
         </p:txBody>
@@ -2052,11 +2063,10 @@
           <a:bodyPr/>
           <a:lstStyle/>
           <a:p>
-            <a:fld id="{CC854CD9-BC99-4E5F-A058-EA0FD424C359}" type="datetimeFigureOut">
-              <a:rPr lang="en-US" smtClean="0"/>
-              <a:pPr/>
-              <a:t>8/22/14</a:t>
-            </a:fld>
+            <a:r>
+              <a:rPr lang="en-US" smtClean="0"/>
+              <a:t>8/21-22/2014</a:t>
+            </a:r>
             <a:endParaRPr lang="en-US"/>
           </a:p>
         </p:txBody>
@@ -2076,6 +2086,10 @@
           <a:bodyPr/>
           <a:lstStyle/>
           <a:p>
+            <a:r>
+              <a:rPr lang="en-US" smtClean="0"/>
+              <a:t>ASP2014 Grid School</a:t>
+            </a:r>
             <a:endParaRPr lang="en-US"/>
           </a:p>
         </p:txBody>
@@ -2337,11 +2351,10 @@
           <a:bodyPr/>
           <a:lstStyle/>
           <a:p>
-            <a:fld id="{CC854CD9-BC99-4E5F-A058-EA0FD424C359}" type="datetimeFigureOut">
-              <a:rPr lang="en-US" smtClean="0"/>
-              <a:pPr/>
-              <a:t>8/22/14</a:t>
-            </a:fld>
+            <a:r>
+              <a:rPr lang="en-US" smtClean="0"/>
+              <a:t>8/21-22/2014</a:t>
+            </a:r>
             <a:endParaRPr lang="en-US"/>
           </a:p>
         </p:txBody>
@@ -2361,6 +2374,10 @@
           <a:bodyPr/>
           <a:lstStyle/>
           <a:p>
+            <a:r>
+              <a:rPr lang="en-US" smtClean="0"/>
+              <a:t>ASP2014 Grid School</a:t>
+            </a:r>
             <a:endParaRPr lang="en-US"/>
           </a:p>
         </p:txBody>
@@ -2756,11 +2773,10 @@
           <a:bodyPr/>
           <a:lstStyle/>
           <a:p>
-            <a:fld id="{CC854CD9-BC99-4E5F-A058-EA0FD424C359}" type="datetimeFigureOut">
-              <a:rPr lang="en-US" smtClean="0"/>
-              <a:pPr/>
-              <a:t>8/22/14</a:t>
-            </a:fld>
+            <a:r>
+              <a:rPr lang="en-US" smtClean="0"/>
+              <a:t>8/21-22/2014</a:t>
+            </a:r>
             <a:endParaRPr lang="en-US"/>
           </a:p>
         </p:txBody>
@@ -2780,6 +2796,10 @@
           <a:bodyPr/>
           <a:lstStyle/>
           <a:p>
+            <a:r>
+              <a:rPr lang="en-US" smtClean="0"/>
+              <a:t>ASP2014 Grid School</a:t>
+            </a:r>
             <a:endParaRPr lang="en-US"/>
           </a:p>
         </p:txBody>
@@ -2871,11 +2891,10 @@
           <a:bodyPr/>
           <a:lstStyle/>
           <a:p>
-            <a:fld id="{CC854CD9-BC99-4E5F-A058-EA0FD424C359}" type="datetimeFigureOut">
-              <a:rPr lang="en-US" smtClean="0"/>
-              <a:pPr/>
-              <a:t>8/22/14</a:t>
-            </a:fld>
+            <a:r>
+              <a:rPr lang="en-US" smtClean="0"/>
+              <a:t>8/21-22/2014</a:t>
+            </a:r>
             <a:endParaRPr lang="en-US"/>
           </a:p>
         </p:txBody>
@@ -2895,6 +2914,10 @@
           <a:bodyPr/>
           <a:lstStyle/>
           <a:p>
+            <a:r>
+              <a:rPr lang="en-US" smtClean="0"/>
+              <a:t>ASP2014 Grid School</a:t>
+            </a:r>
             <a:endParaRPr lang="en-US"/>
           </a:p>
         </p:txBody>
@@ -2963,11 +2986,10 @@
           <a:bodyPr/>
           <a:lstStyle/>
           <a:p>
-            <a:fld id="{CC854CD9-BC99-4E5F-A058-EA0FD424C359}" type="datetimeFigureOut">
-              <a:rPr lang="en-US" smtClean="0"/>
-              <a:pPr/>
-              <a:t>8/22/14</a:t>
-            </a:fld>
+            <a:r>
+              <a:rPr lang="en-US" smtClean="0"/>
+              <a:t>8/21-22/2014</a:t>
+            </a:r>
             <a:endParaRPr lang="en-US"/>
           </a:p>
         </p:txBody>
@@ -2987,6 +3009,10 @@
           <a:bodyPr/>
           <a:lstStyle/>
           <a:p>
+            <a:r>
+              <a:rPr lang="en-US" smtClean="0"/>
+              <a:t>ASP2014 Grid School</a:t>
+            </a:r>
             <a:endParaRPr lang="en-US"/>
           </a:p>
         </p:txBody>
@@ -3237,11 +3263,10 @@
           <a:bodyPr/>
           <a:lstStyle/>
           <a:p>
-            <a:fld id="{CC854CD9-BC99-4E5F-A058-EA0FD424C359}" type="datetimeFigureOut">
-              <a:rPr lang="en-US" smtClean="0"/>
-              <a:pPr/>
-              <a:t>8/22/14</a:t>
-            </a:fld>
+            <a:r>
+              <a:rPr lang="en-US" smtClean="0"/>
+              <a:t>8/21-22/2014</a:t>
+            </a:r>
             <a:endParaRPr lang="en-US"/>
           </a:p>
         </p:txBody>
@@ -3261,6 +3286,10 @@
           <a:bodyPr/>
           <a:lstStyle/>
           <a:p>
+            <a:r>
+              <a:rPr lang="en-US" smtClean="0"/>
+              <a:t>ASP2014 Grid School</a:t>
+            </a:r>
             <a:endParaRPr lang="en-US"/>
           </a:p>
         </p:txBody>
@@ -3414,7 +3443,7 @@
           <a:p>
             <a:r>
               <a:rPr lang="en-US" smtClean="0"/>
-              <a:t>8/6-8/2012</a:t>
+              <a:t>8/21-22/2014</a:t>
             </a:r>
             <a:endParaRPr lang="en-US"/>
           </a:p>
@@ -3437,7 +3466,7 @@
           <a:p>
             <a:r>
               <a:rPr lang="en-US" smtClean="0"/>
-              <a:t>ASP2012 Grid School</a:t>
+              <a:t>ASP2014 Grid School</a:t>
             </a:r>
             <a:endParaRPr lang="en-US"/>
           </a:p>
@@ -3665,11 +3694,10 @@
           <a:bodyPr/>
           <a:lstStyle/>
           <a:p>
-            <a:fld id="{CC854CD9-BC99-4E5F-A058-EA0FD424C359}" type="datetimeFigureOut">
-              <a:rPr lang="en-US" smtClean="0"/>
-              <a:pPr/>
-              <a:t>8/22/14</a:t>
-            </a:fld>
+            <a:r>
+              <a:rPr lang="en-US" smtClean="0"/>
+              <a:t>8/21-22/2014</a:t>
+            </a:r>
             <a:endParaRPr lang="en-US"/>
           </a:p>
         </p:txBody>
@@ -3689,6 +3717,10 @@
           <a:bodyPr/>
           <a:lstStyle/>
           <a:p>
+            <a:r>
+              <a:rPr lang="en-US" smtClean="0"/>
+              <a:t>ASP2014 Grid School</a:t>
+            </a:r>
             <a:endParaRPr lang="en-US"/>
           </a:p>
         </p:txBody>
@@ -3832,11 +3864,10 @@
           <a:bodyPr/>
           <a:lstStyle/>
           <a:p>
-            <a:fld id="{CC854CD9-BC99-4E5F-A058-EA0FD424C359}" type="datetimeFigureOut">
-              <a:rPr lang="en-US" smtClean="0"/>
-              <a:pPr/>
-              <a:t>8/22/14</a:t>
-            </a:fld>
+            <a:r>
+              <a:rPr lang="en-US" smtClean="0"/>
+              <a:t>8/21-22/2014</a:t>
+            </a:r>
             <a:endParaRPr lang="en-US"/>
           </a:p>
         </p:txBody>
@@ -3856,6 +3887,10 @@
           <a:bodyPr/>
           <a:lstStyle/>
           <a:p>
+            <a:r>
+              <a:rPr lang="en-US" smtClean="0"/>
+              <a:t>ASP2014 Grid School</a:t>
+            </a:r>
             <a:endParaRPr lang="en-US"/>
           </a:p>
         </p:txBody>
@@ -4009,11 +4044,10 @@
           <a:bodyPr/>
           <a:lstStyle/>
           <a:p>
-            <a:fld id="{CC854CD9-BC99-4E5F-A058-EA0FD424C359}" type="datetimeFigureOut">
-              <a:rPr lang="en-US" smtClean="0"/>
-              <a:pPr/>
-              <a:t>8/22/14</a:t>
-            </a:fld>
+            <a:r>
+              <a:rPr lang="en-US" smtClean="0"/>
+              <a:t>8/21-22/2014</a:t>
+            </a:r>
             <a:endParaRPr lang="en-US"/>
           </a:p>
         </p:txBody>
@@ -4033,6 +4067,10 @@
           <a:bodyPr/>
           <a:lstStyle/>
           <a:p>
+            <a:r>
+              <a:rPr lang="en-US" smtClean="0"/>
+              <a:t>ASP2014 Grid School</a:t>
+            </a:r>
             <a:endParaRPr lang="en-US"/>
           </a:p>
         </p:txBody>
@@ -4128,11 +4166,10 @@
           <a:bodyPr/>
           <a:lstStyle/>
           <a:p>
-            <a:fld id="{CC854CD9-BC99-4E5F-A058-EA0FD424C359}" type="datetimeFigureOut">
-              <a:rPr lang="en-US" smtClean="0"/>
-              <a:pPr/>
-              <a:t>8/22/14</a:t>
-            </a:fld>
+            <a:r>
+              <a:rPr lang="en-US" smtClean="0"/>
+              <a:t>8/21-22/2014</a:t>
+            </a:r>
             <a:endParaRPr lang="en-US"/>
           </a:p>
         </p:txBody>
@@ -4152,6 +4189,10 @@
           <a:bodyPr/>
           <a:lstStyle/>
           <a:p>
+            <a:r>
+              <a:rPr lang="en-US" smtClean="0"/>
+              <a:t>ASP2014 Grid School</a:t>
+            </a:r>
             <a:endParaRPr lang="en-US"/>
           </a:p>
         </p:txBody>
@@ -4451,11 +4492,10 @@
           <a:bodyPr/>
           <a:lstStyle/>
           <a:p>
-            <a:fld id="{B5728065-080D-41CA-9404-ED15213F0E81}" type="datetimeFigureOut">
-              <a:rPr lang="en-US" smtClean="0"/>
-              <a:pPr/>
-              <a:t>8/22/14</a:t>
-            </a:fld>
+            <a:r>
+              <a:rPr lang="en-US" smtClean="0"/>
+              <a:t>8/21-22/2014</a:t>
+            </a:r>
             <a:endParaRPr lang="en-US"/>
           </a:p>
         </p:txBody>
@@ -4475,6 +4515,10 @@
           <a:bodyPr/>
           <a:lstStyle/>
           <a:p>
+            <a:r>
+              <a:rPr lang="en-US" smtClean="0"/>
+              <a:t>ASP2014 Grid School</a:t>
+            </a:r>
             <a:endParaRPr lang="en-US"/>
           </a:p>
         </p:txBody>
@@ -4618,11 +4662,10 @@
           <a:bodyPr/>
           <a:lstStyle/>
           <a:p>
-            <a:fld id="{B5728065-080D-41CA-9404-ED15213F0E81}" type="datetimeFigureOut">
-              <a:rPr lang="en-US" smtClean="0"/>
-              <a:pPr/>
-              <a:t>8/22/14</a:t>
-            </a:fld>
+            <a:r>
+              <a:rPr lang="en-US" smtClean="0"/>
+              <a:t>8/21-22/2014</a:t>
+            </a:r>
             <a:endParaRPr lang="en-US"/>
           </a:p>
         </p:txBody>
@@ -4642,6 +4685,10 @@
           <a:bodyPr/>
           <a:lstStyle/>
           <a:p>
+            <a:r>
+              <a:rPr lang="en-US" smtClean="0"/>
+              <a:t>ASP2014 Grid School</a:t>
+            </a:r>
             <a:endParaRPr lang="en-US"/>
           </a:p>
         </p:txBody>
@@ -4861,11 +4908,10 @@
           <a:bodyPr/>
           <a:lstStyle/>
           <a:p>
-            <a:fld id="{B5728065-080D-41CA-9404-ED15213F0E81}" type="datetimeFigureOut">
-              <a:rPr lang="en-US" smtClean="0"/>
-              <a:pPr/>
-              <a:t>8/22/14</a:t>
-            </a:fld>
+            <a:r>
+              <a:rPr lang="en-US" smtClean="0"/>
+              <a:t>8/21-22/2014</a:t>
+            </a:r>
             <a:endParaRPr lang="en-US"/>
           </a:p>
         </p:txBody>
@@ -4885,6 +4931,10 @@
           <a:bodyPr/>
           <a:lstStyle/>
           <a:p>
+            <a:r>
+              <a:rPr lang="en-US" smtClean="0"/>
+              <a:t>ASP2014 Grid School</a:t>
+            </a:r>
             <a:endParaRPr lang="en-US"/>
           </a:p>
         </p:txBody>
@@ -5146,11 +5196,10 @@
           <a:bodyPr/>
           <a:lstStyle/>
           <a:p>
-            <a:fld id="{B5728065-080D-41CA-9404-ED15213F0E81}" type="datetimeFigureOut">
-              <a:rPr lang="en-US" smtClean="0"/>
-              <a:pPr/>
-              <a:t>8/22/14</a:t>
-            </a:fld>
+            <a:r>
+              <a:rPr lang="en-US" smtClean="0"/>
+              <a:t>8/21-22/2014</a:t>
+            </a:r>
             <a:endParaRPr lang="en-US"/>
           </a:p>
         </p:txBody>
@@ -5170,6 +5219,10 @@
           <a:bodyPr/>
           <a:lstStyle/>
           <a:p>
+            <a:r>
+              <a:rPr lang="en-US" smtClean="0"/>
+              <a:t>ASP2014 Grid School</a:t>
+            </a:r>
             <a:endParaRPr lang="en-US"/>
           </a:p>
         </p:txBody>
@@ -5565,11 +5618,10 @@
           <a:bodyPr/>
           <a:lstStyle/>
           <a:p>
-            <a:fld id="{B5728065-080D-41CA-9404-ED15213F0E81}" type="datetimeFigureOut">
-              <a:rPr lang="en-US" smtClean="0"/>
-              <a:pPr/>
-              <a:t>8/22/14</a:t>
-            </a:fld>
+            <a:r>
+              <a:rPr lang="en-US" smtClean="0"/>
+              <a:t>8/21-22/2014</a:t>
+            </a:r>
             <a:endParaRPr lang="en-US"/>
           </a:p>
         </p:txBody>
@@ -5589,6 +5641,10 @@
           <a:bodyPr/>
           <a:lstStyle/>
           <a:p>
+            <a:r>
+              <a:rPr lang="en-US" smtClean="0"/>
+              <a:t>ASP2014 Grid School</a:t>
+            </a:r>
             <a:endParaRPr lang="en-US"/>
           </a:p>
         </p:txBody>
@@ -5680,11 +5736,10 @@
           <a:bodyPr/>
           <a:lstStyle/>
           <a:p>
-            <a:fld id="{B5728065-080D-41CA-9404-ED15213F0E81}" type="datetimeFigureOut">
-              <a:rPr lang="en-US" smtClean="0"/>
-              <a:pPr/>
-              <a:t>8/22/14</a:t>
-            </a:fld>
+            <a:r>
+              <a:rPr lang="en-US" smtClean="0"/>
+              <a:t>8/21-22/2014</a:t>
+            </a:r>
             <a:endParaRPr lang="en-US"/>
           </a:p>
         </p:txBody>
@@ -5704,6 +5759,10 @@
           <a:bodyPr/>
           <a:lstStyle/>
           <a:p>
+            <a:r>
+              <a:rPr lang="en-US" smtClean="0"/>
+              <a:t>ASP2014 Grid School</a:t>
+            </a:r>
             <a:endParaRPr lang="en-US"/>
           </a:p>
         </p:txBody>
@@ -5925,7 +5984,7 @@
           <a:p>
             <a:r>
               <a:rPr lang="en-US" smtClean="0"/>
-              <a:t>8/6-8/2012</a:t>
+              <a:t>8/21-22/2014</a:t>
             </a:r>
             <a:endParaRPr lang="en-US"/>
           </a:p>
@@ -5948,7 +6007,7 @@
           <a:p>
             <a:r>
               <a:rPr lang="en-US" smtClean="0"/>
-              <a:t>ASP2012 Grid School</a:t>
+              <a:t>ASP2014 Grid School</a:t>
             </a:r>
             <a:endParaRPr lang="en-US"/>
           </a:p>
@@ -6018,11 +6077,10 @@
           <a:bodyPr/>
           <a:lstStyle/>
           <a:p>
-            <a:fld id="{B5728065-080D-41CA-9404-ED15213F0E81}" type="datetimeFigureOut">
-              <a:rPr lang="en-US" smtClean="0"/>
-              <a:pPr/>
-              <a:t>8/22/14</a:t>
-            </a:fld>
+            <a:r>
+              <a:rPr lang="en-US" smtClean="0"/>
+              <a:t>8/21-22/2014</a:t>
+            </a:r>
             <a:endParaRPr lang="en-US"/>
           </a:p>
         </p:txBody>
@@ -6042,6 +6100,10 @@
           <a:bodyPr/>
           <a:lstStyle/>
           <a:p>
+            <a:r>
+              <a:rPr lang="en-US" smtClean="0"/>
+              <a:t>ASP2014 Grid School</a:t>
+            </a:r>
             <a:endParaRPr lang="en-US"/>
           </a:p>
         </p:txBody>
@@ -6292,11 +6354,10 @@
           <a:bodyPr/>
           <a:lstStyle/>
           <a:p>
-            <a:fld id="{B5728065-080D-41CA-9404-ED15213F0E81}" type="datetimeFigureOut">
-              <a:rPr lang="en-US" smtClean="0"/>
-              <a:pPr/>
-              <a:t>8/22/14</a:t>
-            </a:fld>
+            <a:r>
+              <a:rPr lang="en-US" smtClean="0"/>
+              <a:t>8/21-22/2014</a:t>
+            </a:r>
             <a:endParaRPr lang="en-US"/>
           </a:p>
         </p:txBody>
@@ -6316,6 +6377,10 @@
           <a:bodyPr/>
           <a:lstStyle/>
           <a:p>
+            <a:r>
+              <a:rPr lang="en-US" smtClean="0"/>
+              <a:t>ASP2014 Grid School</a:t>
+            </a:r>
             <a:endParaRPr lang="en-US"/>
           </a:p>
         </p:txBody>
@@ -6542,11 +6607,10 @@
           <a:bodyPr/>
           <a:lstStyle/>
           <a:p>
-            <a:fld id="{B5728065-080D-41CA-9404-ED15213F0E81}" type="datetimeFigureOut">
-              <a:rPr lang="en-US" smtClean="0"/>
-              <a:pPr/>
-              <a:t>8/22/14</a:t>
-            </a:fld>
+            <a:r>
+              <a:rPr lang="en-US" smtClean="0"/>
+              <a:t>8/21-22/2014</a:t>
+            </a:r>
             <a:endParaRPr lang="en-US"/>
           </a:p>
         </p:txBody>
@@ -6566,6 +6630,10 @@
           <a:bodyPr/>
           <a:lstStyle/>
           <a:p>
+            <a:r>
+              <a:rPr lang="en-US" smtClean="0"/>
+              <a:t>ASP2014 Grid School</a:t>
+            </a:r>
             <a:endParaRPr lang="en-US"/>
           </a:p>
         </p:txBody>
@@ -6709,11 +6777,10 @@
           <a:bodyPr/>
           <a:lstStyle/>
           <a:p>
-            <a:fld id="{B5728065-080D-41CA-9404-ED15213F0E81}" type="datetimeFigureOut">
-              <a:rPr lang="en-US" smtClean="0"/>
-              <a:pPr/>
-              <a:t>8/22/14</a:t>
-            </a:fld>
+            <a:r>
+              <a:rPr lang="en-US" smtClean="0"/>
+              <a:t>8/21-22/2014</a:t>
+            </a:r>
             <a:endParaRPr lang="en-US"/>
           </a:p>
         </p:txBody>
@@ -6733,6 +6800,10 @@
           <a:bodyPr/>
           <a:lstStyle/>
           <a:p>
+            <a:r>
+              <a:rPr lang="en-US" smtClean="0"/>
+              <a:t>ASP2014 Grid School</a:t>
+            </a:r>
             <a:endParaRPr lang="en-US"/>
           </a:p>
         </p:txBody>
@@ -6886,11 +6957,10 @@
           <a:bodyPr/>
           <a:lstStyle/>
           <a:p>
-            <a:fld id="{B5728065-080D-41CA-9404-ED15213F0E81}" type="datetimeFigureOut">
-              <a:rPr lang="en-US" smtClean="0"/>
-              <a:pPr/>
-              <a:t>8/22/14</a:t>
-            </a:fld>
+            <a:r>
+              <a:rPr lang="en-US" smtClean="0"/>
+              <a:t>8/21-22/2014</a:t>
+            </a:r>
             <a:endParaRPr lang="en-US"/>
           </a:p>
         </p:txBody>
@@ -6910,6 +6980,10 @@
           <a:bodyPr/>
           <a:lstStyle/>
           <a:p>
+            <a:r>
+              <a:rPr lang="en-US" smtClean="0"/>
+              <a:t>ASP2014 Grid School</a:t>
+            </a:r>
             <a:endParaRPr lang="en-US"/>
           </a:p>
         </p:txBody>
@@ -7125,11 +7199,10 @@
           <a:bodyPr/>
           <a:lstStyle/>
           <a:p>
-            <a:fld id="{293A4A93-3C97-45C6-8181-79F213CE4D4F}" type="datetimeFigureOut">
-              <a:rPr lang="en-US" smtClean="0"/>
-              <a:pPr/>
-              <a:t>8/22/14</a:t>
-            </a:fld>
+            <a:r>
+              <a:rPr lang="en-US" smtClean="0"/>
+              <a:t>8/21-22/2014</a:t>
+            </a:r>
             <a:endParaRPr lang="en-US"/>
           </a:p>
         </p:txBody>
@@ -7149,6 +7222,10 @@
           <a:bodyPr/>
           <a:lstStyle/>
           <a:p>
+            <a:r>
+              <a:rPr lang="en-US" smtClean="0"/>
+              <a:t>ASP2014 Grid School</a:t>
+            </a:r>
             <a:endParaRPr lang="en-US"/>
           </a:p>
         </p:txBody>
@@ -7292,11 +7369,10 @@
           <a:bodyPr/>
           <a:lstStyle/>
           <a:p>
-            <a:fld id="{293A4A93-3C97-45C6-8181-79F213CE4D4F}" type="datetimeFigureOut">
-              <a:rPr lang="en-US" smtClean="0"/>
-              <a:pPr/>
-              <a:t>8/22/14</a:t>
-            </a:fld>
+            <a:r>
+              <a:rPr lang="en-US" smtClean="0"/>
+              <a:t>8/21-22/2014</a:t>
+            </a:r>
             <a:endParaRPr lang="en-US"/>
           </a:p>
         </p:txBody>
@@ -7316,6 +7392,10 @@
           <a:bodyPr/>
           <a:lstStyle/>
           <a:p>
+            <a:r>
+              <a:rPr lang="en-US" smtClean="0"/>
+              <a:t>ASP2014 Grid School</a:t>
+            </a:r>
             <a:endParaRPr lang="en-US"/>
           </a:p>
         </p:txBody>
@@ -7535,11 +7615,10 @@
           <a:bodyPr/>
           <a:lstStyle/>
           <a:p>
-            <a:fld id="{293A4A93-3C97-45C6-8181-79F213CE4D4F}" type="datetimeFigureOut">
-              <a:rPr lang="en-US" smtClean="0"/>
-              <a:pPr/>
-              <a:t>8/22/14</a:t>
-            </a:fld>
+            <a:r>
+              <a:rPr lang="en-US" smtClean="0"/>
+              <a:t>8/21-22/2014</a:t>
+            </a:r>
             <a:endParaRPr lang="en-US"/>
           </a:p>
         </p:txBody>
@@ -7559,6 +7638,10 @@
           <a:bodyPr/>
           <a:lstStyle/>
           <a:p>
+            <a:r>
+              <a:rPr lang="en-US" smtClean="0"/>
+              <a:t>ASP2014 Grid School</a:t>
+            </a:r>
             <a:endParaRPr lang="en-US"/>
           </a:p>
         </p:txBody>
@@ -7820,11 +7903,10 @@
           <a:bodyPr/>
           <a:lstStyle/>
           <a:p>
-            <a:fld id="{293A4A93-3C97-45C6-8181-79F213CE4D4F}" type="datetimeFigureOut">
-              <a:rPr lang="en-US" smtClean="0"/>
-              <a:pPr/>
-              <a:t>8/22/14</a:t>
-            </a:fld>
+            <a:r>
+              <a:rPr lang="en-US" smtClean="0"/>
+              <a:t>8/21-22/2014</a:t>
+            </a:r>
             <a:endParaRPr lang="en-US"/>
           </a:p>
         </p:txBody>
@@ -7844,6 +7926,10 @@
           <a:bodyPr/>
           <a:lstStyle/>
           <a:p>
+            <a:r>
+              <a:rPr lang="en-US" smtClean="0"/>
+              <a:t>ASP2014 Grid School</a:t>
+            </a:r>
             <a:endParaRPr lang="en-US"/>
           </a:p>
         </p:txBody>
@@ -8239,11 +8325,10 @@
           <a:bodyPr/>
           <a:lstStyle/>
           <a:p>
-            <a:fld id="{293A4A93-3C97-45C6-8181-79F213CE4D4F}" type="datetimeFigureOut">
-              <a:rPr lang="en-US" smtClean="0"/>
-              <a:pPr/>
-              <a:t>8/22/14</a:t>
-            </a:fld>
+            <a:r>
+              <a:rPr lang="en-US" smtClean="0"/>
+              <a:t>8/21-22/2014</a:t>
+            </a:r>
             <a:endParaRPr lang="en-US"/>
           </a:p>
         </p:txBody>
@@ -8263,6 +8348,10 @@
           <a:bodyPr/>
           <a:lstStyle/>
           <a:p>
+            <a:r>
+              <a:rPr lang="en-US" smtClean="0"/>
+              <a:t>ASP2014 Grid School</a:t>
+            </a:r>
             <a:endParaRPr lang="en-US"/>
           </a:p>
         </p:txBody>
@@ -8526,7 +8615,7 @@
           <a:p>
             <a:r>
               <a:rPr lang="en-US" smtClean="0"/>
-              <a:t>8/6-8/2012</a:t>
+              <a:t>8/21-22/2014</a:t>
             </a:r>
             <a:endParaRPr lang="en-US"/>
           </a:p>
@@ -8549,7 +8638,7 @@
           <a:p>
             <a:r>
               <a:rPr lang="en-US" smtClean="0"/>
-              <a:t>ASP2012 Grid School</a:t>
+              <a:t>ASP2014 Grid School</a:t>
             </a:r>
             <a:endParaRPr lang="en-US"/>
           </a:p>
@@ -8642,11 +8731,10 @@
           <a:bodyPr/>
           <a:lstStyle/>
           <a:p>
-            <a:fld id="{293A4A93-3C97-45C6-8181-79F213CE4D4F}" type="datetimeFigureOut">
-              <a:rPr lang="en-US" smtClean="0"/>
-              <a:pPr/>
-              <a:t>8/22/14</a:t>
-            </a:fld>
+            <a:r>
+              <a:rPr lang="en-US" smtClean="0"/>
+              <a:t>8/21-22/2014</a:t>
+            </a:r>
             <a:endParaRPr lang="en-US"/>
           </a:p>
         </p:txBody>
@@ -8666,6 +8754,10 @@
           <a:bodyPr/>
           <a:lstStyle/>
           <a:p>
+            <a:r>
+              <a:rPr lang="en-US" smtClean="0"/>
+              <a:t>ASP2014 Grid School</a:t>
+            </a:r>
             <a:endParaRPr lang="en-US"/>
           </a:p>
         </p:txBody>
@@ -8734,11 +8826,10 @@
           <a:bodyPr/>
           <a:lstStyle/>
           <a:p>
-            <a:fld id="{293A4A93-3C97-45C6-8181-79F213CE4D4F}" type="datetimeFigureOut">
-              <a:rPr lang="en-US" smtClean="0"/>
-              <a:pPr/>
-              <a:t>8/22/14</a:t>
-            </a:fld>
+            <a:r>
+              <a:rPr lang="en-US" smtClean="0"/>
+              <a:t>8/21-22/2014</a:t>
+            </a:r>
             <a:endParaRPr lang="en-US"/>
           </a:p>
         </p:txBody>
@@ -8758,6 +8849,10 @@
           <a:bodyPr/>
           <a:lstStyle/>
           <a:p>
+            <a:r>
+              <a:rPr lang="en-US" smtClean="0"/>
+              <a:t>ASP2014 Grid School</a:t>
+            </a:r>
             <a:endParaRPr lang="en-US"/>
           </a:p>
         </p:txBody>
@@ -9008,11 +9103,10 @@
           <a:bodyPr/>
           <a:lstStyle/>
           <a:p>
-            <a:fld id="{293A4A93-3C97-45C6-8181-79F213CE4D4F}" type="datetimeFigureOut">
-              <a:rPr lang="en-US" smtClean="0"/>
-              <a:pPr/>
-              <a:t>8/22/14</a:t>
-            </a:fld>
+            <a:r>
+              <a:rPr lang="en-US" smtClean="0"/>
+              <a:t>8/21-22/2014</a:t>
+            </a:r>
             <a:endParaRPr lang="en-US"/>
           </a:p>
         </p:txBody>
@@ -9032,6 +9126,10 @@
           <a:bodyPr/>
           <a:lstStyle/>
           <a:p>
+            <a:r>
+              <a:rPr lang="en-US" smtClean="0"/>
+              <a:t>ASP2014 Grid School</a:t>
+            </a:r>
             <a:endParaRPr lang="en-US"/>
           </a:p>
         </p:txBody>
@@ -9258,11 +9356,10 @@
           <a:bodyPr/>
           <a:lstStyle/>
           <a:p>
-            <a:fld id="{293A4A93-3C97-45C6-8181-79F213CE4D4F}" type="datetimeFigureOut">
-              <a:rPr lang="en-US" smtClean="0"/>
-              <a:pPr/>
-              <a:t>8/22/14</a:t>
-            </a:fld>
+            <a:r>
+              <a:rPr lang="en-US" smtClean="0"/>
+              <a:t>8/21-22/2014</a:t>
+            </a:r>
             <a:endParaRPr lang="en-US"/>
           </a:p>
         </p:txBody>
@@ -9282,6 +9379,10 @@
           <a:bodyPr/>
           <a:lstStyle/>
           <a:p>
+            <a:r>
+              <a:rPr lang="en-US" smtClean="0"/>
+              <a:t>ASP2014 Grid School</a:t>
+            </a:r>
             <a:endParaRPr lang="en-US"/>
           </a:p>
         </p:txBody>
@@ -9425,11 +9526,10 @@
           <a:bodyPr/>
           <a:lstStyle/>
           <a:p>
-            <a:fld id="{293A4A93-3C97-45C6-8181-79F213CE4D4F}" type="datetimeFigureOut">
-              <a:rPr lang="en-US" smtClean="0"/>
-              <a:pPr/>
-              <a:t>8/22/14</a:t>
-            </a:fld>
+            <a:r>
+              <a:rPr lang="en-US" smtClean="0"/>
+              <a:t>8/21-22/2014</a:t>
+            </a:r>
             <a:endParaRPr lang="en-US"/>
           </a:p>
         </p:txBody>
@@ -9449,6 +9549,10 @@
           <a:bodyPr/>
           <a:lstStyle/>
           <a:p>
+            <a:r>
+              <a:rPr lang="en-US" smtClean="0"/>
+              <a:t>ASP2014 Grid School</a:t>
+            </a:r>
             <a:endParaRPr lang="en-US"/>
           </a:p>
         </p:txBody>
@@ -9602,11 +9706,10 @@
           <a:bodyPr/>
           <a:lstStyle/>
           <a:p>
-            <a:fld id="{293A4A93-3C97-45C6-8181-79F213CE4D4F}" type="datetimeFigureOut">
-              <a:rPr lang="en-US" smtClean="0"/>
-              <a:pPr/>
-              <a:t>8/22/14</a:t>
-            </a:fld>
+            <a:r>
+              <a:rPr lang="en-US" smtClean="0"/>
+              <a:t>8/21-22/2014</a:t>
+            </a:r>
             <a:endParaRPr lang="en-US"/>
           </a:p>
         </p:txBody>
@@ -9626,6 +9729,10 @@
           <a:bodyPr/>
           <a:lstStyle/>
           <a:p>
+            <a:r>
+              <a:rPr lang="en-US" smtClean="0"/>
+              <a:t>ASP2014 Grid School</a:t>
+            </a:r>
             <a:endParaRPr lang="en-US"/>
           </a:p>
         </p:txBody>
@@ -9841,11 +9948,10 @@
           <a:bodyPr/>
           <a:lstStyle/>
           <a:p>
-            <a:fld id="{CA6733CF-9BB1-49F8-83C0-B81391444CB2}" type="datetimeFigureOut">
-              <a:rPr lang="en-US" smtClean="0"/>
-              <a:pPr/>
-              <a:t>8/22/14</a:t>
-            </a:fld>
+            <a:r>
+              <a:rPr lang="en-US" smtClean="0"/>
+              <a:t>8/21-22/2014</a:t>
+            </a:r>
             <a:endParaRPr lang="en-US"/>
           </a:p>
         </p:txBody>
@@ -9865,6 +9971,10 @@
           <a:bodyPr/>
           <a:lstStyle/>
           <a:p>
+            <a:r>
+              <a:rPr lang="en-US" smtClean="0"/>
+              <a:t>ASP2014 Grid School</a:t>
+            </a:r>
             <a:endParaRPr lang="en-US"/>
           </a:p>
         </p:txBody>
@@ -10008,11 +10118,10 @@
           <a:bodyPr/>
           <a:lstStyle/>
           <a:p>
-            <a:fld id="{CA6733CF-9BB1-49F8-83C0-B81391444CB2}" type="datetimeFigureOut">
-              <a:rPr lang="en-US" smtClean="0"/>
-              <a:pPr/>
-              <a:t>8/22/14</a:t>
-            </a:fld>
+            <a:r>
+              <a:rPr lang="en-US" smtClean="0"/>
+              <a:t>8/21-22/2014</a:t>
+            </a:r>
             <a:endParaRPr lang="en-US"/>
           </a:p>
         </p:txBody>
@@ -10032,6 +10141,10 @@
           <a:bodyPr/>
           <a:lstStyle/>
           <a:p>
+            <a:r>
+              <a:rPr lang="en-US" smtClean="0"/>
+              <a:t>ASP2014 Grid School</a:t>
+            </a:r>
             <a:endParaRPr lang="en-US"/>
           </a:p>
         </p:txBody>
@@ -10251,11 +10364,10 @@
           <a:bodyPr/>
           <a:lstStyle/>
           <a:p>
-            <a:fld id="{CA6733CF-9BB1-49F8-83C0-B81391444CB2}" type="datetimeFigureOut">
-              <a:rPr lang="en-US" smtClean="0"/>
-              <a:pPr/>
-              <a:t>8/22/14</a:t>
-            </a:fld>
+            <a:r>
+              <a:rPr lang="en-US" smtClean="0"/>
+              <a:t>8/21-22/2014</a:t>
+            </a:r>
             <a:endParaRPr lang="en-US"/>
           </a:p>
         </p:txBody>
@@ -10275,6 +10387,10 @@
           <a:bodyPr/>
           <a:lstStyle/>
           <a:p>
+            <a:r>
+              <a:rPr lang="en-US" smtClean="0"/>
+              <a:t>ASP2014 Grid School</a:t>
+            </a:r>
             <a:endParaRPr lang="en-US"/>
           </a:p>
         </p:txBody>
@@ -10536,11 +10652,10 @@
           <a:bodyPr/>
           <a:lstStyle/>
           <a:p>
-            <a:fld id="{CA6733CF-9BB1-49F8-83C0-B81391444CB2}" type="datetimeFigureOut">
-              <a:rPr lang="en-US" smtClean="0"/>
-              <a:pPr/>
-              <a:t>8/22/14</a:t>
-            </a:fld>
+            <a:r>
+              <a:rPr lang="en-US" smtClean="0"/>
+              <a:t>8/21-22/2014</a:t>
+            </a:r>
             <a:endParaRPr lang="en-US"/>
           </a:p>
         </p:txBody>
@@ -10560,6 +10675,10 @@
           <a:bodyPr/>
           <a:lstStyle/>
           <a:p>
+            <a:r>
+              <a:rPr lang="en-US" smtClean="0"/>
+              <a:t>ASP2014 Grid School</a:t>
+            </a:r>
             <a:endParaRPr lang="en-US"/>
           </a:p>
         </p:txBody>
@@ -10957,7 +11076,7 @@
           <a:p>
             <a:r>
               <a:rPr lang="en-US" smtClean="0"/>
-              <a:t>8/6-8/2012</a:t>
+              <a:t>8/21-22/2014</a:t>
             </a:r>
             <a:endParaRPr lang="en-US"/>
           </a:p>
@@ -10980,7 +11099,7 @@
           <a:p>
             <a:r>
               <a:rPr lang="en-US" smtClean="0"/>
-              <a:t>ASP2012 Grid School</a:t>
+              <a:t>ASP2014 Grid School</a:t>
             </a:r>
             <a:endParaRPr lang="en-US"/>
           </a:p>
@@ -11377,11 +11496,10 @@
           <a:bodyPr/>
           <a:lstStyle/>
           <a:p>
-            <a:fld id="{CA6733CF-9BB1-49F8-83C0-B81391444CB2}" type="datetimeFigureOut">
-              <a:rPr lang="en-US" smtClean="0"/>
-              <a:pPr/>
-              <a:t>8/22/14</a:t>
-            </a:fld>
+            <a:r>
+              <a:rPr lang="en-US" smtClean="0"/>
+              <a:t>8/21-22/2014</a:t>
+            </a:r>
             <a:endParaRPr lang="en-US"/>
           </a:p>
         </p:txBody>
@@ -11401,6 +11519,10 @@
           <a:bodyPr/>
           <a:lstStyle/>
           <a:p>
+            <a:r>
+              <a:rPr lang="en-US" smtClean="0"/>
+              <a:t>ASP2014 Grid School</a:t>
+            </a:r>
             <a:endParaRPr lang="en-US"/>
           </a:p>
         </p:txBody>
@@ -11492,11 +11614,10 @@
           <a:bodyPr/>
           <a:lstStyle/>
           <a:p>
-            <a:fld id="{CA6733CF-9BB1-49F8-83C0-B81391444CB2}" type="datetimeFigureOut">
-              <a:rPr lang="en-US" smtClean="0"/>
-              <a:pPr/>
-              <a:t>8/22/14</a:t>
-            </a:fld>
+            <a:r>
+              <a:rPr lang="en-US" smtClean="0"/>
+              <a:t>8/21-22/2014</a:t>
+            </a:r>
             <a:endParaRPr lang="en-US"/>
           </a:p>
         </p:txBody>
@@ -11516,6 +11637,10 @@
           <a:bodyPr/>
           <a:lstStyle/>
           <a:p>
+            <a:r>
+              <a:rPr lang="en-US" smtClean="0"/>
+              <a:t>ASP2014 Grid School</a:t>
+            </a:r>
             <a:endParaRPr lang="en-US"/>
           </a:p>
         </p:txBody>
@@ -11584,11 +11709,10 @@
           <a:bodyPr/>
           <a:lstStyle/>
           <a:p>
-            <a:fld id="{CA6733CF-9BB1-49F8-83C0-B81391444CB2}" type="datetimeFigureOut">
-              <a:rPr lang="en-US" smtClean="0"/>
-              <a:pPr/>
-              <a:t>8/22/14</a:t>
-            </a:fld>
+            <a:r>
+              <a:rPr lang="en-US" smtClean="0"/>
+              <a:t>8/21-22/2014</a:t>
+            </a:r>
             <a:endParaRPr lang="en-US"/>
           </a:p>
         </p:txBody>
@@ -11608,6 +11732,10 @@
           <a:bodyPr/>
           <a:lstStyle/>
           <a:p>
+            <a:r>
+              <a:rPr lang="en-US" smtClean="0"/>
+              <a:t>ASP2014 Grid School</a:t>
+            </a:r>
             <a:endParaRPr lang="en-US"/>
           </a:p>
         </p:txBody>
@@ -11858,11 +11986,10 @@
           <a:bodyPr/>
           <a:lstStyle/>
           <a:p>
-            <a:fld id="{CA6733CF-9BB1-49F8-83C0-B81391444CB2}" type="datetimeFigureOut">
-              <a:rPr lang="en-US" smtClean="0"/>
-              <a:pPr/>
-              <a:t>8/22/14</a:t>
-            </a:fld>
+            <a:r>
+              <a:rPr lang="en-US" smtClean="0"/>
+              <a:t>8/21-22/2014</a:t>
+            </a:r>
             <a:endParaRPr lang="en-US"/>
           </a:p>
         </p:txBody>
@@ -11882,6 +12009,10 @@
           <a:bodyPr/>
           <a:lstStyle/>
           <a:p>
+            <a:r>
+              <a:rPr lang="en-US" smtClean="0"/>
+              <a:t>ASP2014 Grid School</a:t>
+            </a:r>
             <a:endParaRPr lang="en-US"/>
           </a:p>
         </p:txBody>
@@ -12108,11 +12239,10 @@
           <a:bodyPr/>
           <a:lstStyle/>
           <a:p>
-            <a:fld id="{CA6733CF-9BB1-49F8-83C0-B81391444CB2}" type="datetimeFigureOut">
-              <a:rPr lang="en-US" smtClean="0"/>
-              <a:pPr/>
-              <a:t>8/22/14</a:t>
-            </a:fld>
+            <a:r>
+              <a:rPr lang="en-US" smtClean="0"/>
+              <a:t>8/21-22/2014</a:t>
+            </a:r>
             <a:endParaRPr lang="en-US"/>
           </a:p>
         </p:txBody>
@@ -12132,6 +12262,10 @@
           <a:bodyPr/>
           <a:lstStyle/>
           <a:p>
+            <a:r>
+              <a:rPr lang="en-US" smtClean="0"/>
+              <a:t>ASP2014 Grid School</a:t>
+            </a:r>
             <a:endParaRPr lang="en-US"/>
           </a:p>
         </p:txBody>
@@ -12275,11 +12409,10 @@
           <a:bodyPr/>
           <a:lstStyle/>
           <a:p>
-            <a:fld id="{CA6733CF-9BB1-49F8-83C0-B81391444CB2}" type="datetimeFigureOut">
-              <a:rPr lang="en-US" smtClean="0"/>
-              <a:pPr/>
-              <a:t>8/22/14</a:t>
-            </a:fld>
+            <a:r>
+              <a:rPr lang="en-US" smtClean="0"/>
+              <a:t>8/21-22/2014</a:t>
+            </a:r>
             <a:endParaRPr lang="en-US"/>
           </a:p>
         </p:txBody>
@@ -12299,6 +12432,10 @@
           <a:bodyPr/>
           <a:lstStyle/>
           <a:p>
+            <a:r>
+              <a:rPr lang="en-US" smtClean="0"/>
+              <a:t>ASP2014 Grid School</a:t>
+            </a:r>
             <a:endParaRPr lang="en-US"/>
           </a:p>
         </p:txBody>
@@ -12452,11 +12589,10 @@
           <a:bodyPr/>
           <a:lstStyle/>
           <a:p>
-            <a:fld id="{CA6733CF-9BB1-49F8-83C0-B81391444CB2}" type="datetimeFigureOut">
-              <a:rPr lang="en-US" smtClean="0"/>
-              <a:pPr/>
-              <a:t>8/22/14</a:t>
-            </a:fld>
+            <a:r>
+              <a:rPr lang="en-US" smtClean="0"/>
+              <a:t>8/21-22/2014</a:t>
+            </a:r>
             <a:endParaRPr lang="en-US"/>
           </a:p>
         </p:txBody>
@@ -12476,6 +12612,10 @@
           <a:bodyPr/>
           <a:lstStyle/>
           <a:p>
+            <a:r>
+              <a:rPr lang="en-US" smtClean="0"/>
+              <a:t>ASP2014 Grid School</a:t>
+            </a:r>
             <a:endParaRPr lang="en-US"/>
           </a:p>
         </p:txBody>
@@ -12569,7 +12709,7 @@
           <a:p>
             <a:r>
               <a:rPr lang="en-US" smtClean="0"/>
-              <a:t>8/6-8/2012</a:t>
+              <a:t>8/21-22/2014</a:t>
             </a:r>
             <a:endParaRPr lang="en-US"/>
           </a:p>
@@ -12592,7 +12732,7 @@
           <a:p>
             <a:r>
               <a:rPr lang="en-US" smtClean="0"/>
-              <a:t>ASP2012 Grid School</a:t>
+              <a:t>ASP2014 Grid School</a:t>
             </a:r>
             <a:endParaRPr lang="en-US"/>
           </a:p>
@@ -12664,7 +12804,7 @@
           <a:p>
             <a:r>
               <a:rPr lang="en-US" smtClean="0"/>
-              <a:t>8/6-8/2012</a:t>
+              <a:t>8/21-22/2014</a:t>
             </a:r>
             <a:endParaRPr lang="en-US"/>
           </a:p>
@@ -12687,7 +12827,7 @@
           <a:p>
             <a:r>
               <a:rPr lang="en-US" smtClean="0"/>
-              <a:t>ASP2012 Grid School</a:t>
+              <a:t>ASP2014 Grid School</a:t>
             </a:r>
             <a:endParaRPr lang="en-US"/>
           </a:p>
@@ -12941,7 +13081,7 @@
           <a:p>
             <a:r>
               <a:rPr lang="en-US" smtClean="0"/>
-              <a:t>8/6-8/2012</a:t>
+              <a:t>8/21-22/2014</a:t>
             </a:r>
             <a:endParaRPr lang="en-US"/>
           </a:p>
@@ -12964,7 +13104,7 @@
           <a:p>
             <a:r>
               <a:rPr lang="en-US" smtClean="0"/>
-              <a:t>ASP2012 Grid School</a:t>
+              <a:t>ASP2014 Grid School</a:t>
             </a:r>
             <a:endParaRPr lang="en-US"/>
           </a:p>
@@ -13194,7 +13334,7 @@
           <a:p>
             <a:r>
               <a:rPr lang="en-US" smtClean="0"/>
-              <a:t>8/6-8/2012</a:t>
+              <a:t>8/21-22/2014</a:t>
             </a:r>
             <a:endParaRPr lang="en-US"/>
           </a:p>
@@ -13217,7 +13357,7 @@
           <a:p>
             <a:r>
               <a:rPr lang="en-US" smtClean="0"/>
-              <a:t>ASP2012 Grid School</a:t>
+              <a:t>ASP2014 Grid School</a:t>
             </a:r>
             <a:endParaRPr lang="en-US"/>
           </a:p>
@@ -13337,38 +13477,38 @@
           <a:p>
             <a:pPr lvl="0"/>
             <a:r>
-              <a:rPr lang="en-US" smtClean="0"/>
+              <a:rPr lang="en-US" dirty="0" smtClean="0"/>
               <a:t>Click to edit Master text styles</a:t>
             </a:r>
           </a:p>
           <a:p>
             <a:pPr lvl="1"/>
             <a:r>
-              <a:rPr lang="en-US" smtClean="0"/>
+              <a:rPr lang="en-US" dirty="0" smtClean="0"/>
               <a:t>Second level</a:t>
             </a:r>
           </a:p>
           <a:p>
             <a:pPr lvl="2"/>
             <a:r>
-              <a:rPr lang="en-US" smtClean="0"/>
+              <a:rPr lang="en-US" dirty="0" smtClean="0"/>
               <a:t>Third level</a:t>
             </a:r>
           </a:p>
           <a:p>
             <a:pPr lvl="3"/>
             <a:r>
-              <a:rPr lang="en-US" smtClean="0"/>
+              <a:rPr lang="en-US" dirty="0" smtClean="0"/>
               <a:t>Fourth level</a:t>
             </a:r>
           </a:p>
           <a:p>
             <a:pPr lvl="4"/>
             <a:r>
-              <a:rPr lang="en-US" smtClean="0"/>
+              <a:rPr lang="en-US" dirty="0" smtClean="0"/>
               <a:t>Fifth level</a:t>
             </a:r>
-            <a:endParaRPr lang="en-US"/>
+            <a:endParaRPr lang="en-US" dirty="0"/>
           </a:p>
         </p:txBody>
       </p:sp>
@@ -13407,9 +13547,9 @@
           <a:p>
             <a:r>
               <a:rPr lang="en-US" smtClean="0"/>
-              <a:t>8/6-8/2012</a:t>
-            </a:r>
-            <a:endParaRPr lang="en-US"/>
+              <a:t>8/21-22/2014</a:t>
+            </a:r>
+            <a:endParaRPr lang="en-US" dirty="0"/>
           </a:p>
         </p:txBody>
       </p:sp>
@@ -13447,10 +13587,14 @@
           </a:lstStyle>
           <a:p>
             <a:r>
-              <a:rPr lang="en-US" smtClean="0"/>
-              <a:t>ASP2012 Grid School</a:t>
-            </a:r>
-            <a:endParaRPr lang="en-US"/>
+              <a:rPr lang="en-US" dirty="0" smtClean="0"/>
+              <a:t>ASP2014 </a:t>
+            </a:r>
+            <a:r>
+              <a:rPr lang="en-US" dirty="0" smtClean="0"/>
+              <a:t>Grid School</a:t>
+            </a:r>
+            <a:endParaRPr lang="en-US" dirty="0"/>
           </a:p>
         </p:txBody>
       </p:sp>
@@ -13920,11 +14064,10 @@
             </a:lvl1pPr>
           </a:lstStyle>
           <a:p>
-            <a:fld id="{CC854CD9-BC99-4E5F-A058-EA0FD424C359}" type="datetimeFigureOut">
-              <a:rPr lang="en-US" smtClean="0"/>
-              <a:pPr/>
-              <a:t>8/22/14</a:t>
-            </a:fld>
+            <a:r>
+              <a:rPr lang="en-US" smtClean="0"/>
+              <a:t>8/21-22/2014</a:t>
+            </a:r>
             <a:endParaRPr lang="en-US"/>
           </a:p>
         </p:txBody>
@@ -13962,6 +14105,10 @@
             </a:lvl1pPr>
           </a:lstStyle>
           <a:p>
+            <a:r>
+              <a:rPr lang="en-US" smtClean="0"/>
+              <a:t>ASP2014 Grid School</a:t>
+            </a:r>
             <a:endParaRPr lang="en-US"/>
           </a:p>
         </p:txBody>
@@ -14025,6 +14172,7 @@
     <p:sldLayoutId id="2147483707" r:id="rId11"/>
     <p:sldLayoutId id="2147483708" r:id="rId12"/>
   </p:sldLayoutIdLst>
+  <p:hf hdr="0"/>
   <p:txStyles>
     <p:titleStyle>
       <a:lvl1pPr algn="ctr" defTabSz="914400" rtl="0" eaLnBrk="1" latinLnBrk="0" hangingPunct="1">
@@ -14428,11 +14576,10 @@
             </a:lvl1pPr>
           </a:lstStyle>
           <a:p>
-            <a:fld id="{B5728065-080D-41CA-9404-ED15213F0E81}" type="datetimeFigureOut">
-              <a:rPr lang="en-US" smtClean="0"/>
-              <a:pPr/>
-              <a:t>8/22/14</a:t>
-            </a:fld>
+            <a:r>
+              <a:rPr lang="en-US" smtClean="0"/>
+              <a:t>8/21-22/2014</a:t>
+            </a:r>
             <a:endParaRPr lang="en-US"/>
           </a:p>
         </p:txBody>
@@ -14470,6 +14617,10 @@
             </a:lvl1pPr>
           </a:lstStyle>
           <a:p>
+            <a:r>
+              <a:rPr lang="en-US" smtClean="0"/>
+              <a:t>ASP2014 Grid School</a:t>
+            </a:r>
             <a:endParaRPr lang="en-US"/>
           </a:p>
         </p:txBody>
@@ -14532,6 +14683,7 @@
     <p:sldLayoutId id="2147483670" r:id="rId10"/>
     <p:sldLayoutId id="2147483671" r:id="rId11"/>
   </p:sldLayoutIdLst>
+  <p:hf hdr="0"/>
   <p:txStyles>
     <p:titleStyle>
       <a:lvl1pPr algn="ctr" defTabSz="914400" rtl="0" eaLnBrk="1" latinLnBrk="0" hangingPunct="1">
@@ -14935,11 +15087,10 @@
             </a:lvl1pPr>
           </a:lstStyle>
           <a:p>
-            <a:fld id="{293A4A93-3C97-45C6-8181-79F213CE4D4F}" type="datetimeFigureOut">
-              <a:rPr lang="en-US" smtClean="0"/>
-              <a:pPr/>
-              <a:t>8/22/14</a:t>
-            </a:fld>
+            <a:r>
+              <a:rPr lang="en-US" smtClean="0"/>
+              <a:t>8/21-22/2014</a:t>
+            </a:r>
             <a:endParaRPr lang="en-US"/>
           </a:p>
         </p:txBody>
@@ -14977,6 +15128,10 @@
             </a:lvl1pPr>
           </a:lstStyle>
           <a:p>
+            <a:r>
+              <a:rPr lang="en-US" smtClean="0"/>
+              <a:t>ASP2014 Grid School</a:t>
+            </a:r>
             <a:endParaRPr lang="en-US"/>
           </a:p>
         </p:txBody>
@@ -15039,6 +15194,7 @@
     <p:sldLayoutId id="2147483682" r:id="rId10"/>
     <p:sldLayoutId id="2147483683" r:id="rId11"/>
   </p:sldLayoutIdLst>
+  <p:hf hdr="0"/>
   <p:txStyles>
     <p:titleStyle>
       <a:lvl1pPr algn="ctr" defTabSz="914400" rtl="0" eaLnBrk="1" latinLnBrk="0" hangingPunct="1">
@@ -15442,11 +15598,10 @@
             </a:lvl1pPr>
           </a:lstStyle>
           <a:p>
-            <a:fld id="{CA6733CF-9BB1-49F8-83C0-B81391444CB2}" type="datetimeFigureOut">
-              <a:rPr lang="en-US" smtClean="0"/>
-              <a:pPr/>
-              <a:t>8/22/14</a:t>
-            </a:fld>
+            <a:r>
+              <a:rPr lang="en-US" smtClean="0"/>
+              <a:t>8/21-22/2014</a:t>
+            </a:r>
             <a:endParaRPr lang="en-US"/>
           </a:p>
         </p:txBody>
@@ -15484,6 +15639,10 @@
             </a:lvl1pPr>
           </a:lstStyle>
           <a:p>
+            <a:r>
+              <a:rPr lang="en-US" smtClean="0"/>
+              <a:t>ASP2014 Grid School</a:t>
+            </a:r>
             <a:endParaRPr lang="en-US"/>
           </a:p>
         </p:txBody>
@@ -15546,6 +15705,7 @@
     <p:sldLayoutId id="2147483694" r:id="rId10"/>
     <p:sldLayoutId id="2147483695" r:id="rId11"/>
   </p:sldLayoutIdLst>
+  <p:hf hdr="0"/>
   <p:txStyles>
     <p:titleStyle>
       <a:lvl1pPr algn="ctr" defTabSz="914400" rtl="0" eaLnBrk="1" latinLnBrk="0" hangingPunct="1">
@@ -15870,11 +16030,7 @@
           <a:p>
             <a:r>
               <a:rPr lang="en-US" dirty="0" smtClean="0"/>
-              <a:t>For P</a:t>
-            </a:r>
-            <a:r>
-              <a:rPr lang="en-US" dirty="0" smtClean="0"/>
-              <a:t>. </a:t>
+              <a:t>For P. </a:t>
             </a:r>
             <a:r>
               <a:rPr lang="en-US" dirty="0" err="1" smtClean="0"/>
@@ -15908,9 +16064,9 @@
           <a:p>
             <a:r>
               <a:rPr lang="en-US" smtClean="0"/>
-              <a:t>8/6-8/2012</a:t>
-            </a:r>
-            <a:endParaRPr lang="en-US"/>
+              <a:t>8/21-22/2014</a:t>
+            </a:r>
+            <a:endParaRPr lang="en-US" dirty="0"/>
           </a:p>
         </p:txBody>
       </p:sp>
@@ -15955,9 +16111,9 @@
           <a:p>
             <a:r>
               <a:rPr lang="en-US" smtClean="0"/>
-              <a:t>ASP2012 Grid School</a:t>
-            </a:r>
-            <a:endParaRPr lang="en-US"/>
+              <a:t>ASP2014 Grid School</a:t>
+            </a:r>
+            <a:endParaRPr lang="en-US" dirty="0"/>
           </a:p>
         </p:txBody>
       </p:sp>
@@ -16002,18 +16158,10 @@
           <a:lstStyle/>
           <a:p>
             <a:r>
-              <a:rPr lang="en-US" dirty="0" smtClean="0">
-                <a:solidFill>
-                  <a:srgbClr val="002060"/>
-                </a:solidFill>
-              </a:rPr>
-              <a:t>Conclusion</a:t>
-            </a:r>
-            <a:endParaRPr lang="en-US" dirty="0">
-              <a:solidFill>
-                <a:srgbClr val="002060"/>
-              </a:solidFill>
-            </a:endParaRPr>
+              <a:rPr lang="en-US" dirty="0" err="1" smtClean="0"/>
+              <a:t>readEvents.C</a:t>
+            </a:r>
+            <a:endParaRPr lang="en-US" dirty="0"/>
           </a:p>
         </p:txBody>
       </p:sp>
@@ -16029,33 +16177,119 @@
         </p:nvSpPr>
         <p:spPr/>
         <p:txBody>
-          <a:bodyPr/>
+          <a:bodyPr>
+            <a:normAutofit/>
+          </a:bodyPr>
           <a:lstStyle/>
           <a:p>
             <a:r>
               <a:rPr lang="en-US" dirty="0" smtClean="0"/>
-              <a:t>After completing Steps 1 and 2 you are in principle ready to scale up and make </a:t>
+              <a:t>Macro from Heather </a:t>
+            </a:r>
+            <a:r>
+              <a:rPr lang="en-US" dirty="0"/>
+              <a:t>to calculate the invariant mass of the first </a:t>
+            </a:r>
+            <a:r>
+              <a:rPr lang="en-US" dirty="0" err="1"/>
+              <a:t>muon</a:t>
+            </a:r>
+            <a:r>
+              <a:rPr lang="en-US" dirty="0"/>
+              <a:t> pair in each event and </a:t>
+            </a:r>
+            <a:r>
+              <a:rPr lang="en-US" dirty="0" smtClean="0"/>
+              <a:t>then plot </a:t>
+            </a:r>
+            <a:r>
+              <a:rPr lang="en-US" dirty="0"/>
+              <a:t>the invariant mass in a histogram. </a:t>
+            </a:r>
+            <a:endParaRPr lang="en-US" dirty="0" smtClean="0"/>
+          </a:p>
+          <a:p>
+            <a:r>
+              <a:rPr lang="en-US" dirty="0" smtClean="0"/>
+              <a:t>Only looks </a:t>
+            </a:r>
+            <a:r>
+              <a:rPr lang="en-US" dirty="0"/>
+              <a:t>at events which contain at least two </a:t>
             </a:r>
             <a:r>
               <a:rPr lang="en-US" dirty="0" err="1" smtClean="0"/>
-              <a:t>TTree’s</a:t>
+              <a:t>muons</a:t>
             </a:r>
             <a:r>
               <a:rPr lang="en-US" dirty="0" smtClean="0"/>
-              <a:t> with hundreds of variables and create and analyze thousands of files</a:t>
-            </a:r>
-          </a:p>
-          <a:p>
+              <a:t> where both </a:t>
+            </a:r>
+            <a:r>
+              <a:rPr lang="en-US" dirty="0" err="1"/>
+              <a:t>muons</a:t>
+            </a:r>
+            <a:r>
+              <a:rPr lang="en-US" dirty="0"/>
+              <a:t> </a:t>
+            </a:r>
             <a:r>
               <a:rPr lang="en-US" dirty="0" smtClean="0"/>
-              <a:t>If time permits you can try adding your own features to the existing example by adding variables and histograms, etc.</a:t>
-            </a:r>
-          </a:p>
-          <a:p>
+              <a:t>have </a:t>
+            </a:r>
+            <a:r>
+              <a:rPr lang="en-US" dirty="0"/>
+              <a:t>transverse momentum, </a:t>
+            </a:r>
+            <a:r>
+              <a:rPr lang="en-US" dirty="0" err="1"/>
+              <a:t>pt</a:t>
+            </a:r>
+            <a:r>
+              <a:rPr lang="en-US" dirty="0"/>
+              <a:t> &gt;</a:t>
+            </a:r>
             <a:r>
               <a:rPr lang="en-US" dirty="0" smtClean="0"/>
-              <a:t>Good luck and have fun!!</a:t>
-            </a:r>
+              <a:t>20 </a:t>
+            </a:r>
+            <a:r>
+              <a:rPr lang="en-US" dirty="0" err="1"/>
+              <a:t>GeV</a:t>
+            </a:r>
+            <a:r>
+              <a:rPr lang="en-US" dirty="0"/>
+              <a:t>. </a:t>
+            </a:r>
+            <a:endParaRPr lang="en-US" dirty="0" smtClean="0"/>
+          </a:p>
+          <a:p>
+            <a:r>
+              <a:rPr lang="en-US" dirty="0"/>
+              <a:t>T</a:t>
+            </a:r>
+            <a:r>
+              <a:rPr lang="en-US" dirty="0" smtClean="0"/>
+              <a:t>he two </a:t>
+            </a:r>
+            <a:r>
+              <a:rPr lang="en-US" dirty="0"/>
+              <a:t>selected </a:t>
+            </a:r>
+            <a:r>
+              <a:rPr lang="en-US" dirty="0" err="1"/>
+              <a:t>muons</a:t>
+            </a:r>
+            <a:r>
+              <a:rPr lang="en-US" dirty="0"/>
+              <a:t> have opposite charge</a:t>
+            </a:r>
+            <a:r>
+              <a:rPr lang="en-US" dirty="0" smtClean="0"/>
+              <a:t>.</a:t>
+            </a:r>
+          </a:p>
+          <a:p>
             <a:endParaRPr lang="en-US" dirty="0"/>
           </a:p>
         </p:txBody>
@@ -16077,15 +16311,38 @@
           <a:p>
             <a:r>
               <a:rPr lang="en-US" smtClean="0"/>
-              <a:t>8/6-8/2012</a:t>
-            </a:r>
-            <a:endParaRPr lang="en-US"/>
-          </a:p>
-        </p:txBody>
-      </p:sp>
-      <p:sp>
-        <p:nvSpPr>
-          <p:cNvPr id="5" name="Slide Number Placeholder 4"/>
+              <a:t>8/21-22/2014</a:t>
+            </a:r>
+            <a:endParaRPr lang="en-US"/>
+          </a:p>
+        </p:txBody>
+      </p:sp>
+      <p:sp>
+        <p:nvSpPr>
+          <p:cNvPr id="5" name="Footer Placeholder 4"/>
+          <p:cNvSpPr>
+            <a:spLocks noGrp="1"/>
+          </p:cNvSpPr>
+          <p:nvPr>
+            <p:ph type="ftr" sz="quarter" idx="11"/>
+          </p:nvPr>
+        </p:nvSpPr>
+        <p:spPr/>
+        <p:txBody>
+          <a:bodyPr/>
+          <a:lstStyle/>
+          <a:p>
+            <a:r>
+              <a:rPr lang="en-US" smtClean="0"/>
+              <a:t>ASP2014 Grid School</a:t>
+            </a:r>
+            <a:endParaRPr lang="en-US"/>
+          </a:p>
+        </p:txBody>
+      </p:sp>
+      <p:sp>
+        <p:nvSpPr>
+          <p:cNvPr id="6" name="Slide Number Placeholder 5"/>
           <p:cNvSpPr>
             <a:spLocks noGrp="1"/>
           </p:cNvSpPr>
@@ -16107,41 +16364,16 @@
           </a:p>
         </p:txBody>
       </p:sp>
-      <p:sp>
-        <p:nvSpPr>
-          <p:cNvPr id="6" name="Footer Placeholder 5"/>
-          <p:cNvSpPr>
-            <a:spLocks noGrp="1"/>
-          </p:cNvSpPr>
-          <p:nvPr>
-            <p:ph type="ftr" sz="quarter" idx="11"/>
-          </p:nvPr>
-        </p:nvSpPr>
-        <p:spPr/>
-        <p:txBody>
-          <a:bodyPr/>
-          <a:lstStyle/>
-          <a:p>
-            <a:r>
-              <a:rPr lang="en-US" smtClean="0"/>
-              <a:t>ASP2012 Grid School</a:t>
-            </a:r>
-            <a:endParaRPr lang="en-US"/>
-          </a:p>
-        </p:txBody>
-      </p:sp>
     </p:spTree>
+    <p:extLst>
+      <p:ext uri="{BB962C8B-B14F-4D97-AF65-F5344CB8AC3E}">
+        <p14:creationId xmlns:p14="http://schemas.microsoft.com/office/powerpoint/2010/main" val="2420673655"/>
+      </p:ext>
+    </p:extLst>
   </p:cSld>
   <p:clrMapOvr>
     <a:masterClrMapping/>
   </p:clrMapOvr>
-  <p:timing>
-    <p:tnLst>
-      <p:par>
-        <p:cTn xmlns:p14="http://schemas.microsoft.com/office/powerpoint/2010/main" id="1" dur="indefinite" restart="never" nodeType="tmRoot"/>
-      </p:par>
-    </p:tnLst>
-  </p:timing>
 </p:sld>
 </file>
 
@@ -16181,7 +16413,6 @@
               <a:rPr lang="en-US" dirty="0"/>
               <a:t>Z-boson Plot</a:t>
             </a:r>
-            <a:endParaRPr lang="en-US" dirty="0"/>
           </a:p>
         </p:txBody>
       </p:sp>
@@ -16289,7 +16520,7 @@
           <a:p>
             <a:r>
               <a:rPr lang="en-US" smtClean="0"/>
-              <a:t>8/6-8/2012</a:t>
+              <a:t>8/21-22/2014</a:t>
             </a:r>
             <a:endParaRPr lang="en-US"/>
           </a:p>
@@ -16312,7 +16543,7 @@
           <a:p>
             <a:r>
               <a:rPr lang="en-US" smtClean="0"/>
-              <a:t>ASP2012 Grid School</a:t>
+              <a:t>ASP2014 Grid School</a:t>
             </a:r>
             <a:endParaRPr lang="en-US"/>
           </a:p>
@@ -16384,29 +16615,6 @@
         </p:nvSpPr>
         <p:spPr/>
         <p:txBody>
-          <a:bodyPr/>
-          <a:lstStyle/>
-          <a:p>
-            <a:r>
-              <a:rPr lang="en-US" dirty="0" err="1" smtClean="0"/>
-              <a:t>readEvents.C</a:t>
-            </a:r>
-            <a:endParaRPr lang="en-US" dirty="0"/>
-          </a:p>
-        </p:txBody>
-      </p:sp>
-      <p:sp>
-        <p:nvSpPr>
-          <p:cNvPr id="3" name="Content Placeholder 2"/>
-          <p:cNvSpPr>
-            <a:spLocks noGrp="1"/>
-          </p:cNvSpPr>
-          <p:nvPr>
-            <p:ph idx="1"/>
-          </p:nvPr>
-        </p:nvSpPr>
-        <p:spPr/>
-        <p:txBody>
           <a:bodyPr>
             <a:normAutofit/>
           </a:bodyPr>
@@ -16414,112 +16622,156 @@
           <a:p>
             <a:r>
               <a:rPr lang="en-US" dirty="0" smtClean="0"/>
-              <a:t>Macro from Heather </a:t>
+              <a:t>Determination of </a:t>
             </a:r>
             <a:r>
               <a:rPr lang="en-US" dirty="0"/>
-              <a:t>to calculate the invariant mass of the first </a:t>
+              <a:t>the Z boson </a:t>
+            </a:r>
+            <a:r>
+              <a:rPr lang="en-US" dirty="0" smtClean="0"/>
+              <a:t>mass</a:t>
+            </a:r>
+            <a:endParaRPr lang="en-US" dirty="0"/>
+          </a:p>
+        </p:txBody>
+      </p:sp>
+      <p:sp>
+        <p:nvSpPr>
+          <p:cNvPr id="3" name="Content Placeholder 2"/>
+          <p:cNvSpPr>
+            <a:spLocks noGrp="1"/>
+          </p:cNvSpPr>
+          <p:nvPr>
+            <p:ph idx="1"/>
+          </p:nvPr>
+        </p:nvSpPr>
+        <p:spPr/>
+        <p:txBody>
+          <a:bodyPr>
+            <a:normAutofit fontScale="92500" lnSpcReduction="10000"/>
+          </a:bodyPr>
+          <a:lstStyle/>
+          <a:p>
+            <a:r>
+              <a:rPr lang="en-US" dirty="0" err="1" smtClean="0"/>
+              <a:t>readEvents.C</a:t>
+            </a:r>
+            <a:r>
+              <a:rPr lang="en-US" dirty="0" smtClean="0"/>
+              <a:t> uses the following:</a:t>
+            </a:r>
+          </a:p>
+          <a:p>
+            <a:pPr lvl="1"/>
+            <a:r>
+              <a:rPr lang="en-US" dirty="0" smtClean="0"/>
+              <a:t>The </a:t>
             </a:r>
             <a:r>
               <a:rPr lang="en-US" dirty="0" err="1"/>
-              <a:t>muon</a:t>
+              <a:t>TLorentzVector</a:t>
             </a:r>
             <a:r>
               <a:rPr lang="en-US" dirty="0"/>
-              <a:t> pair in each event and </a:t>
+              <a:t> class (http://</a:t>
+            </a:r>
+            <a:r>
+              <a:rPr lang="en-US" dirty="0" err="1"/>
+              <a:t>root.cern.ch</a:t>
+            </a:r>
+            <a:r>
+              <a:rPr lang="en-US" dirty="0"/>
+              <a:t>/root/html/</a:t>
+            </a:r>
+            <a:r>
+              <a:rPr lang="en-US" dirty="0" err="1"/>
+              <a:t>TLorentzVector.html</a:t>
+            </a:r>
+            <a:r>
+              <a:rPr lang="en-US" dirty="0"/>
+              <a:t>) is very </a:t>
             </a:r>
             <a:r>
               <a:rPr lang="en-US" dirty="0" smtClean="0"/>
-              <a:t>then plot </a:t>
-            </a:r>
+              <a:t>powerful.</a:t>
+            </a:r>
+            <a:endParaRPr lang="en-US" dirty="0"/>
+          </a:p>
+          <a:p>
+            <a:pPr lvl="1"/>
             <a:r>
               <a:rPr lang="en-US" dirty="0"/>
-              <a:t>the invariant mass in a histogram. </a:t>
-            </a:r>
-            <a:endParaRPr lang="en-US" dirty="0" smtClean="0"/>
-          </a:p>
-          <a:p>
+              <a:t>If you have two particles and want to know the properties of the particle which produced them</a:t>
+            </a:r>
             <a:r>
               <a:rPr lang="en-US" dirty="0" smtClean="0"/>
-              <a:t>Only looks </a:t>
+              <a:t>, you </a:t>
             </a:r>
             <a:r>
               <a:rPr lang="en-US" dirty="0"/>
-              <a:t>at events which contain at least two </a:t>
-            </a:r>
-            <a:r>
-              <a:rPr lang="en-US" dirty="0" err="1" smtClean="0"/>
-              <a:t>muons</a:t>
+              <a:t>can simply add them together:</a:t>
+            </a:r>
+          </a:p>
+          <a:p>
+            <a:pPr lvl="1"/>
+            <a:r>
+              <a:rPr lang="en-US" dirty="0" err="1"/>
+              <a:t>TLorentzVector</a:t>
+            </a:r>
+            <a:r>
+              <a:rPr lang="en-US" dirty="0"/>
+              <a:t> Particle1;</a:t>
+            </a:r>
+          </a:p>
+          <a:p>
+            <a:pPr lvl="1"/>
+            <a:r>
+              <a:rPr lang="en-US" dirty="0" err="1"/>
+              <a:t>TLorentzVector</a:t>
+            </a:r>
+            <a:r>
+              <a:rPr lang="en-US" dirty="0"/>
+              <a:t> Particle 2</a:t>
             </a:r>
             <a:r>
               <a:rPr lang="en-US" dirty="0" smtClean="0"/>
-              <a:t> where both </a:t>
-            </a:r>
+              <a:t>;</a:t>
+            </a:r>
+          </a:p>
+          <a:p>
+            <a:pPr lvl="1"/>
+            <a:r>
+              <a:rPr lang="en-US" dirty="0" smtClean="0"/>
+              <a:t>/</a:t>
+            </a:r>
+            <a:r>
+              <a:rPr lang="en-US" dirty="0"/>
+              <a:t>/ set up the properties of particle 1 and particle 2</a:t>
+            </a:r>
+          </a:p>
+          <a:p>
+            <a:pPr lvl="1"/>
             <a:r>
               <a:rPr lang="en-US" dirty="0" err="1"/>
-              <a:t>muons</a:t>
+              <a:t>TLorentzVector</a:t>
             </a:r>
             <a:r>
               <a:rPr lang="en-US" dirty="0"/>
               <a:t> </a:t>
             </a:r>
             <a:r>
+              <a:rPr lang="en-US" dirty="0" err="1"/>
+              <a:t>MotherParticle</a:t>
+            </a:r>
+            <a:r>
+              <a:rPr lang="en-US" dirty="0"/>
+              <a:t> = Particle1 + Particle2</a:t>
+            </a:r>
+            <a:r>
               <a:rPr lang="en-US" dirty="0" smtClean="0"/>
-              <a:t>have </a:t>
-            </a:r>
-            <a:r>
-              <a:rPr lang="en-US" dirty="0"/>
-              <a:t>transverse momentum, </a:t>
-            </a:r>
-            <a:r>
-              <a:rPr lang="en-US" dirty="0" err="1"/>
-              <a:t>pt</a:t>
-            </a:r>
-            <a:r>
-              <a:rPr lang="en-US" dirty="0"/>
-              <a:t> &gt;</a:t>
-            </a:r>
-            <a:r>
-              <a:rPr lang="en-US" dirty="0" smtClean="0"/>
-              <a:t>20 </a:t>
-            </a:r>
-            <a:r>
-              <a:rPr lang="en-US" dirty="0" err="1"/>
-              <a:t>GeV</a:t>
-            </a:r>
-            <a:r>
-              <a:rPr lang="en-US" dirty="0"/>
-              <a:t>. </a:t>
-            </a:r>
-            <a:endParaRPr lang="en-US" dirty="0" smtClean="0"/>
-          </a:p>
-          <a:p>
-            <a:r>
-              <a:rPr lang="en-US" dirty="0"/>
-              <a:t>T</a:t>
-            </a:r>
-            <a:r>
-              <a:rPr lang="en-US" dirty="0" smtClean="0"/>
-              <a:t>he two </a:t>
-            </a:r>
-            <a:r>
-              <a:rPr lang="en-US" dirty="0"/>
-              <a:t>selected </a:t>
-            </a:r>
-            <a:r>
-              <a:rPr lang="en-US" dirty="0" err="1"/>
-              <a:t>muons</a:t>
-            </a:r>
-            <a:r>
-              <a:rPr lang="en-US" dirty="0"/>
-              <a:t> have opposite charge</a:t>
-            </a:r>
-            <a:r>
-              <a:rPr lang="en-US" dirty="0" smtClean="0"/>
-              <a:t>.</a:t>
-            </a:r>
-          </a:p>
-          <a:p>
+              <a:t>;</a:t>
+            </a:r>
             <a:endParaRPr lang="en-US" dirty="0"/>
           </a:p>
         </p:txBody>
@@ -16541,7 +16793,7 @@
           <a:p>
             <a:r>
               <a:rPr lang="en-US" smtClean="0"/>
-              <a:t>8/6-8/2012</a:t>
+              <a:t>8/21-22/2014</a:t>
             </a:r>
             <a:endParaRPr lang="en-US"/>
           </a:p>
@@ -16564,7 +16816,7 @@
           <a:p>
             <a:r>
               <a:rPr lang="en-US" smtClean="0"/>
-              <a:t>ASP2012 Grid School</a:t>
+              <a:t>ASP2014 Grid School</a:t>
             </a:r>
             <a:endParaRPr lang="en-US"/>
           </a:p>
@@ -16597,7 +16849,7 @@
     </p:spTree>
     <p:extLst>
       <p:ext uri="{BB962C8B-B14F-4D97-AF65-F5344CB8AC3E}">
-        <p14:creationId xmlns:p14="http://schemas.microsoft.com/office/powerpoint/2010/main" val="2420673655"/>
+        <p14:creationId xmlns:p14="http://schemas.microsoft.com/office/powerpoint/2010/main" val="429481918"/>
       </p:ext>
     </p:extLst>
   </p:cSld>
@@ -16636,66 +16888,37 @@
         </p:nvSpPr>
         <p:spPr/>
         <p:txBody>
+          <a:bodyPr/>
+          <a:lstStyle/>
+          <a:p>
+            <a:r>
+              <a:rPr lang="en-US" dirty="0" smtClean="0"/>
+              <a:t>More Information	</a:t>
+            </a:r>
+            <a:endParaRPr lang="en-US" dirty="0"/>
+          </a:p>
+        </p:txBody>
+      </p:sp>
+      <p:sp>
+        <p:nvSpPr>
+          <p:cNvPr id="3" name="Content Placeholder 2"/>
+          <p:cNvSpPr>
+            <a:spLocks noGrp="1"/>
+          </p:cNvSpPr>
+          <p:nvPr>
+            <p:ph idx="1"/>
+          </p:nvPr>
+        </p:nvSpPr>
+        <p:spPr/>
+        <p:txBody>
           <a:bodyPr>
-            <a:normAutofit/>
+            <a:normAutofit fontScale="85000" lnSpcReduction="10000"/>
           </a:bodyPr>
           <a:lstStyle/>
           <a:p>
             <a:r>
-              <a:rPr lang="en-US" dirty="0" smtClean="0"/>
-              <a:t>Determination of </a:t>
-            </a:r>
-            <a:r>
               <a:rPr lang="en-US" dirty="0"/>
-              <a:t>the Z boson </a:t>
-            </a:r>
-            <a:r>
-              <a:rPr lang="en-US" dirty="0" smtClean="0"/>
-              <a:t>mass</a:t>
-            </a:r>
-            <a:endParaRPr lang="en-US" dirty="0"/>
-          </a:p>
-        </p:txBody>
-      </p:sp>
-      <p:sp>
-        <p:nvSpPr>
-          <p:cNvPr id="3" name="Content Placeholder 2"/>
-          <p:cNvSpPr>
-            <a:spLocks noGrp="1"/>
-          </p:cNvSpPr>
-          <p:nvPr>
-            <p:ph idx="1"/>
-          </p:nvPr>
-        </p:nvSpPr>
-        <p:spPr/>
-        <p:txBody>
-          <a:bodyPr>
-            <a:normAutofit fontScale="92500" lnSpcReduction="10000"/>
-          </a:bodyPr>
-          <a:lstStyle/>
-          <a:p>
-            <a:r>
-              <a:rPr lang="en-US" dirty="0" err="1" smtClean="0"/>
-              <a:t>readEvents.C</a:t>
-            </a:r>
-            <a:r>
-              <a:rPr lang="en-US" dirty="0" smtClean="0"/>
-              <a:t> uses the following:</a:t>
-            </a:r>
-          </a:p>
-          <a:p>
-            <a:pPr lvl="1"/>
-            <a:r>
-              <a:rPr lang="en-US" dirty="0" smtClean="0"/>
-              <a:t>The </a:t>
-            </a:r>
-            <a:r>
-              <a:rPr lang="en-US" dirty="0" err="1"/>
-              <a:t>TLorentzVector</a:t>
-            </a:r>
-            <a:r>
-              <a:rPr lang="en-US" dirty="0"/>
-              <a:t> class (http://</a:t>
+              <a:t>ROOT website: http://</a:t>
             </a:r>
             <a:r>
               <a:rPr lang="en-US" dirty="0" err="1"/>
@@ -16703,98 +16926,139 @@
             </a:r>
             <a:r>
               <a:rPr lang="en-US" dirty="0"/>
-              <a:t>/root/html/</a:t>
+              <a:t>/</a:t>
             </a:r>
             <a:r>
               <a:rPr lang="en-US" dirty="0" err="1"/>
-              <a:t>TLorentzVector.html</a:t>
+              <a:t>drupal</a:t>
             </a:r>
             <a:r>
               <a:rPr lang="en-US" dirty="0"/>
-              <a:t>) is very </a:t>
-            </a:r>
+              <a:t>/</a:t>
+            </a:r>
+          </a:p>
+          <a:p>
+            <a:r>
+              <a:rPr lang="en-US" dirty="0"/>
+              <a:t> Intro to ROOT: http://</a:t>
+            </a:r>
+            <a:r>
+              <a:rPr lang="en-US" dirty="0" err="1"/>
+              <a:t>root.cern.ch</a:t>
+            </a:r>
+            <a:r>
+              <a:rPr lang="en-US" dirty="0"/>
+              <a:t>/</a:t>
+            </a:r>
+            <a:r>
+              <a:rPr lang="en-US" dirty="0" err="1"/>
+              <a:t>drupal</a:t>
+            </a:r>
+            <a:r>
+              <a:rPr lang="en-US" dirty="0"/>
+              <a:t>/content/discovering-root</a:t>
+            </a:r>
+          </a:p>
+          <a:p>
+            <a:r>
+              <a:rPr lang="en-US" dirty="0"/>
+              <a:t> Tutorials: </a:t>
+            </a:r>
+            <a:r>
+              <a:rPr lang="en-US" dirty="0">
+                <a:hlinkClick r:id="rId2"/>
+              </a:rPr>
+              <a:t>http://root.cern.ch/root/html/tutorials</a:t>
+            </a:r>
+            <a:r>
+              <a:rPr lang="en-US" dirty="0" smtClean="0">
+                <a:hlinkClick r:id="rId2"/>
+              </a:rPr>
+              <a:t>/</a:t>
+            </a:r>
+            <a:endParaRPr lang="en-US" dirty="0" smtClean="0"/>
+          </a:p>
+          <a:p>
             <a:r>
               <a:rPr lang="en-US" dirty="0" smtClean="0"/>
-              <a:t>powerful.</a:t>
+              <a:t>Invariant mass: </a:t>
+            </a:r>
+            <a:r>
+              <a:rPr lang="en-US" dirty="0"/>
+              <a:t>http://</a:t>
+            </a:r>
+            <a:r>
+              <a:rPr lang="en-US" dirty="0" err="1"/>
+              <a:t>www.itp.phys.ethz.ch</a:t>
+            </a:r>
+            <a:r>
+              <a:rPr lang="en-US" dirty="0"/>
+              <a:t>/education/hs10/ppp1/PPP1_4.pdf</a:t>
             </a:r>
             <a:endParaRPr lang="en-US" dirty="0"/>
           </a:p>
           <a:p>
-            <a:pPr lvl="1"/>
             <a:r>
               <a:rPr lang="en-US" dirty="0"/>
-              <a:t>If you have two particles and want to know the properties of the particle which produced them</a:t>
-            </a:r>
-            <a:r>
-              <a:rPr lang="en-US" dirty="0" smtClean="0"/>
-              <a:t>, you </a:t>
+              <a:t> Reference guide for all classes: http://</a:t>
+            </a:r>
+            <a:r>
+              <a:rPr lang="en-US" dirty="0" err="1"/>
+              <a:t>root.cern.ch</a:t>
             </a:r>
             <a:r>
               <a:rPr lang="en-US" dirty="0"/>
-              <a:t>can simply add them together:</a:t>
-            </a:r>
-          </a:p>
-          <a:p>
-            <a:pPr lvl="1"/>
+              <a:t>/root/html534/</a:t>
+            </a:r>
             <a:r>
               <a:rPr lang="en-US" dirty="0" err="1"/>
-              <a:t>TLorentzVector</a:t>
-            </a:r>
+              <a:t>ClassIndex.html</a:t>
+            </a:r>
+            <a:endParaRPr lang="en-US" dirty="0"/>
+          </a:p>
+          <a:p>
             <a:r>
               <a:rPr lang="en-US" dirty="0"/>
-              <a:t> Particle1;</a:t>
-            </a:r>
-          </a:p>
-          <a:p>
-            <a:pPr lvl="1"/>
-            <a:r>
-              <a:rPr lang="en-US" dirty="0" err="1"/>
-              <a:t>TLorentzVector</a:t>
-            </a:r>
-            <a:r>
-              <a:rPr lang="en-US" dirty="0"/>
-              <a:t> Particle 2</a:t>
-            </a:r>
-            <a:r>
-              <a:rPr lang="en-US" dirty="0" smtClean="0"/>
-              <a:t>;</a:t>
-            </a:r>
-          </a:p>
-          <a:p>
-            <a:pPr lvl="1"/>
-            <a:r>
-              <a:rPr lang="en-US" dirty="0" smtClean="0"/>
+              <a:t> ATLAS Z cross-section: </a:t>
+            </a:r>
+            <a:r>
+              <a:rPr lang="en-US" dirty="0">
+                <a:hlinkClick r:id="rId3"/>
+              </a:rPr>
+              <a:t>http://</a:t>
+            </a:r>
+            <a:r>
+              <a:rPr lang="en-US" dirty="0" err="1">
+                <a:hlinkClick r:id="rId3"/>
+              </a:rPr>
+              <a:t>arxiv.org</a:t>
+            </a:r>
+            <a:r>
+              <a:rPr lang="en-US" dirty="0">
+                <a:hlinkClick r:id="rId3"/>
+              </a:rPr>
               <a:t>/</a:t>
             </a:r>
             <a:r>
-              <a:rPr lang="en-US" dirty="0"/>
-              <a:t>/ set up the properties of particle 1 and particle 2</a:t>
-            </a:r>
-          </a:p>
-          <a:p>
-            <a:pPr lvl="1"/>
-            <a:r>
-              <a:rPr lang="en-US" dirty="0" err="1"/>
-              <a:t>TLorentzVector</a:t>
-            </a:r>
-            <a:r>
-              <a:rPr lang="en-US" dirty="0"/>
-              <a:t> </a:t>
-            </a:r>
-            <a:r>
-              <a:rPr lang="en-US" dirty="0" err="1"/>
-              <a:t>MotherParticle</a:t>
-            </a:r>
-            <a:r>
-              <a:rPr lang="en-US" dirty="0"/>
-              <a:t> = Particle1 + Particle2</a:t>
-            </a:r>
-            <a:r>
-              <a:rPr lang="en-US" dirty="0" smtClean="0"/>
-              <a:t>;</a:t>
+              <a:rPr lang="en-US" dirty="0" err="1">
+                <a:hlinkClick r:id="rId3"/>
+              </a:rPr>
+              <a:t>pdf</a:t>
+            </a:r>
+            <a:r>
+              <a:rPr lang="en-US" dirty="0">
+                <a:hlinkClick r:id="rId3"/>
+              </a:rPr>
+              <a:t>/1010.2130v1.pdf</a:t>
             </a:r>
             <a:endParaRPr lang="en-US" dirty="0"/>
           </a:p>
+          <a:p>
+            <a:pPr marL="0" indent="0">
+              <a:buNone/>
+            </a:pPr>
+            <a:endParaRPr lang="en-US" dirty="0"/>
+          </a:p>
         </p:txBody>
       </p:sp>
       <p:sp>
@@ -16814,7 +17078,7 @@
           <a:p>
             <a:r>
               <a:rPr lang="en-US" smtClean="0"/>
-              <a:t>8/6-8/2012</a:t>
+              <a:t>8/21-22/2014</a:t>
             </a:r>
             <a:endParaRPr lang="en-US"/>
           </a:p>
@@ -16837,7 +17101,7 @@
           <a:p>
             <a:r>
               <a:rPr lang="en-US" smtClean="0"/>
-              <a:t>ASP2012 Grid School</a:t>
+              <a:t>ASP2014 Grid School</a:t>
             </a:r>
             <a:endParaRPr lang="en-US"/>
           </a:p>
@@ -16870,7 +17134,7 @@
     </p:spTree>
     <p:extLst>
       <p:ext uri="{BB962C8B-B14F-4D97-AF65-F5344CB8AC3E}">
-        <p14:creationId xmlns:p14="http://schemas.microsoft.com/office/powerpoint/2010/main" val="429481918"/>
+        <p14:creationId xmlns:p14="http://schemas.microsoft.com/office/powerpoint/2010/main" val="1595562524"/>
       </p:ext>
     </p:extLst>
   </p:cSld>
@@ -16913,8 +17177,176 @@
           <a:lstStyle/>
           <a:p>
             <a:r>
+              <a:rPr lang="en-US" dirty="0" smtClean="0">
+                <a:solidFill>
+                  <a:srgbClr val="002060"/>
+                </a:solidFill>
+              </a:rPr>
+              <a:t>Step </a:t>
+            </a:r>
+            <a:r>
+              <a:rPr lang="en-US" dirty="0" smtClean="0">
+                <a:solidFill>
+                  <a:srgbClr val="002060"/>
+                </a:solidFill>
+              </a:rPr>
+              <a:t>3: </a:t>
+            </a:r>
+            <a:r>
+              <a:rPr lang="en-US" dirty="0" smtClean="0">
+                <a:solidFill>
+                  <a:srgbClr val="002060"/>
+                </a:solidFill>
+              </a:rPr>
+              <a:t>make </a:t>
+            </a:r>
+            <a:r>
+              <a:rPr lang="en-US" dirty="0" err="1" smtClean="0">
+                <a:solidFill>
+                  <a:srgbClr val="002060"/>
+                </a:solidFill>
+              </a:rPr>
+              <a:t>TSelector</a:t>
+            </a:r>
+            <a:endParaRPr lang="en-US" dirty="0">
+              <a:solidFill>
+                <a:srgbClr val="002060"/>
+              </a:solidFill>
+            </a:endParaRPr>
+          </a:p>
+        </p:txBody>
+      </p:sp>
+      <p:sp>
+        <p:nvSpPr>
+          <p:cNvPr id="3" name="Content Placeholder 2"/>
+          <p:cNvSpPr>
+            <a:spLocks noGrp="1"/>
+          </p:cNvSpPr>
+          <p:nvPr>
+            <p:ph idx="1"/>
+          </p:nvPr>
+        </p:nvSpPr>
+        <p:spPr/>
+        <p:txBody>
+          <a:bodyPr/>
+          <a:lstStyle/>
+          <a:p>
+            <a:pPr>
+              <a:buNone/>
+            </a:pPr>
+            <a:r>
+              <a:rPr lang="en-US" dirty="0" err="1" smtClean="0">
+                <a:solidFill>
+                  <a:srgbClr val="C00000"/>
+                </a:solidFill>
+              </a:rPr>
+              <a:t>TFile</a:t>
+            </a:r>
+            <a:r>
+              <a:rPr lang="en-US" dirty="0" smtClean="0">
+                <a:solidFill>
+                  <a:srgbClr val="C00000"/>
+                </a:solidFill>
+              </a:rPr>
+              <a:t> f("t00.root");  //open file</a:t>
+            </a:r>
+          </a:p>
+          <a:p>
+            <a:pPr>
+              <a:buNone/>
+            </a:pPr>
+            <a:r>
+              <a:rPr lang="en-US" dirty="0" smtClean="0">
+                <a:solidFill>
+                  <a:srgbClr val="C00000"/>
+                </a:solidFill>
+              </a:rPr>
+              <a:t>t0.MakeSelector("s0");  //create </a:t>
+            </a:r>
+            <a:r>
+              <a:rPr lang="en-US" dirty="0" err="1" smtClean="0">
+                <a:solidFill>
+                  <a:srgbClr val="C00000"/>
+                </a:solidFill>
+              </a:rPr>
+              <a:t>TSelector</a:t>
+            </a:r>
+            <a:r>
+              <a:rPr lang="en-US" dirty="0" smtClean="0">
+                <a:solidFill>
+                  <a:srgbClr val="C00000"/>
+                </a:solidFill>
+              </a:rPr>
+              <a:t> “s0”</a:t>
+            </a:r>
+          </a:p>
+          <a:p>
+            <a:pPr>
+              <a:buNone/>
+            </a:pPr>
+            <a:r>
+              <a:rPr lang="en-US" dirty="0" err="1" smtClean="0">
+                <a:solidFill>
+                  <a:srgbClr val="C00000"/>
+                </a:solidFill>
+              </a:rPr>
+              <a:t>f.Close</a:t>
+            </a:r>
+            <a:r>
+              <a:rPr lang="en-US" dirty="0" smtClean="0">
+                <a:solidFill>
+                  <a:srgbClr val="C00000"/>
+                </a:solidFill>
+              </a:rPr>
+              <a:t>();  //close file</a:t>
+            </a:r>
+          </a:p>
+          <a:p>
+            <a:pPr>
+              <a:buNone/>
+            </a:pPr>
+            <a:endParaRPr lang="en-US" dirty="0">
+              <a:solidFill>
+                <a:srgbClr val="C00000"/>
+              </a:solidFill>
+            </a:endParaRPr>
+          </a:p>
+          <a:p>
+            <a:pPr>
+              <a:buNone/>
+            </a:pPr>
+            <a:r>
               <a:rPr lang="en-US" dirty="0" smtClean="0"/>
-              <a:t>More Information	</a:t>
+              <a:t>This creates two files with code: </a:t>
+            </a:r>
+            <a:r>
+              <a:rPr lang="en-US" dirty="0" smtClean="0">
+                <a:solidFill>
+                  <a:srgbClr val="002060"/>
+                </a:solidFill>
+              </a:rPr>
+              <a:t>s0.C</a:t>
+            </a:r>
+            <a:r>
+              <a:rPr lang="en-US" dirty="0" smtClean="0"/>
+              <a:t> and </a:t>
+            </a:r>
+            <a:r>
+              <a:rPr lang="en-US" dirty="0" smtClean="0">
+                <a:solidFill>
+                  <a:srgbClr val="002060"/>
+                </a:solidFill>
+              </a:rPr>
+              <a:t>s0.h</a:t>
+            </a:r>
+          </a:p>
+          <a:p>
+            <a:pPr>
+              <a:buNone/>
+            </a:pPr>
+            <a:r>
+              <a:rPr lang="en-US" dirty="0" smtClean="0"/>
+              <a:t>We will modify these files to add a histogram of the Energy variable and use them to process the simulated data on the Grid</a:t>
             </a:r>
             <a:endParaRPr lang="en-US" dirty="0"/>
           </a:p>
@@ -16922,156 +17354,6 @@
       </p:sp>
       <p:sp>
         <p:nvSpPr>
-          <p:cNvPr id="3" name="Content Placeholder 2"/>
-          <p:cNvSpPr>
-            <a:spLocks noGrp="1"/>
-          </p:cNvSpPr>
-          <p:nvPr>
-            <p:ph idx="1"/>
-          </p:nvPr>
-        </p:nvSpPr>
-        <p:spPr/>
-        <p:txBody>
-          <a:bodyPr>
-            <a:normAutofit fontScale="92500" lnSpcReduction="20000"/>
-          </a:bodyPr>
-          <a:lstStyle/>
-          <a:p>
-            <a:r>
-              <a:rPr lang="en-US" dirty="0"/>
-              <a:t>ROOT website: http://</a:t>
-            </a:r>
-            <a:r>
-              <a:rPr lang="en-US" dirty="0" err="1"/>
-              <a:t>root.cern.ch</a:t>
-            </a:r>
-            <a:r>
-              <a:rPr lang="en-US" dirty="0"/>
-              <a:t>/</a:t>
-            </a:r>
-            <a:r>
-              <a:rPr lang="en-US" dirty="0" err="1"/>
-              <a:t>drupal</a:t>
-            </a:r>
-            <a:r>
-              <a:rPr lang="en-US" dirty="0"/>
-              <a:t>/</a:t>
-            </a:r>
-          </a:p>
-          <a:p>
-            <a:r>
-              <a:rPr lang="en-US" dirty="0"/>
-              <a:t> Intro to ROOT: http://</a:t>
-            </a:r>
-            <a:r>
-              <a:rPr lang="en-US" dirty="0" err="1"/>
-              <a:t>root.cern.ch</a:t>
-            </a:r>
-            <a:r>
-              <a:rPr lang="en-US" dirty="0"/>
-              <a:t>/</a:t>
-            </a:r>
-            <a:r>
-              <a:rPr lang="en-US" dirty="0" err="1"/>
-              <a:t>drupal</a:t>
-            </a:r>
-            <a:r>
-              <a:rPr lang="en-US" dirty="0"/>
-              <a:t>/content/discovering-root</a:t>
-            </a:r>
-          </a:p>
-          <a:p>
-            <a:r>
-              <a:rPr lang="en-US" dirty="0"/>
-              <a:t> Tutorials: </a:t>
-            </a:r>
-            <a:r>
-              <a:rPr lang="en-US" dirty="0">
-                <a:hlinkClick r:id="rId2"/>
-              </a:rPr>
-              <a:t>http://root.cern.ch/root/html/tutorials</a:t>
-            </a:r>
-            <a:r>
-              <a:rPr lang="en-US" dirty="0" smtClean="0">
-                <a:hlinkClick r:id="rId2"/>
-              </a:rPr>
-              <a:t>/</a:t>
-            </a:r>
-            <a:endParaRPr lang="en-US" dirty="0" smtClean="0"/>
-          </a:p>
-          <a:p>
-            <a:r>
-              <a:rPr lang="en-US" dirty="0" smtClean="0"/>
-              <a:t>Invariant mass: </a:t>
-            </a:r>
-            <a:endParaRPr lang="en-US" dirty="0"/>
-          </a:p>
-          <a:p>
-            <a:r>
-              <a:rPr lang="en-US" dirty="0"/>
-              <a:t> Reference guide for all classes: http://</a:t>
-            </a:r>
-            <a:r>
-              <a:rPr lang="en-US" dirty="0" err="1"/>
-              <a:t>root.cern.ch</a:t>
-            </a:r>
-            <a:r>
-              <a:rPr lang="en-US" dirty="0"/>
-              <a:t>/root/html534/</a:t>
-            </a:r>
-            <a:r>
-              <a:rPr lang="en-US" dirty="0" err="1"/>
-              <a:t>ClassIndex.html</a:t>
-            </a:r>
-            <a:endParaRPr lang="en-US" dirty="0"/>
-          </a:p>
-          <a:p>
-            <a:r>
-              <a:rPr lang="en-US" dirty="0"/>
-              <a:t> ATLAS Z cross-section: </a:t>
-            </a:r>
-            <a:r>
-              <a:rPr lang="en-US" dirty="0">
-                <a:hlinkClick r:id="rId3"/>
-              </a:rPr>
-              <a:t>http://</a:t>
-            </a:r>
-            <a:r>
-              <a:rPr lang="en-US" dirty="0" err="1">
-                <a:hlinkClick r:id="rId3"/>
-              </a:rPr>
-              <a:t>arxiv.org</a:t>
-            </a:r>
-            <a:r>
-              <a:rPr lang="en-US" dirty="0">
-                <a:hlinkClick r:id="rId3"/>
-              </a:rPr>
-              <a:t>/</a:t>
-            </a:r>
-            <a:r>
-              <a:rPr lang="en-US" dirty="0" err="1">
-                <a:hlinkClick r:id="rId3"/>
-              </a:rPr>
-              <a:t>pdf</a:t>
-            </a:r>
-            <a:r>
-              <a:rPr lang="en-US" dirty="0">
-                <a:hlinkClick r:id="rId3"/>
-              </a:rPr>
-              <a:t>/1010.2130v1.pdf</a:t>
-            </a:r>
-            <a:endParaRPr lang="en-US" dirty="0"/>
-          </a:p>
-          <a:p>
-            <a:pPr marL="0" indent="0">
-              <a:buNone/>
-            </a:pPr>
-            <a:endParaRPr lang="en-US" dirty="0"/>
-          </a:p>
-        </p:txBody>
-      </p:sp>
-      <p:sp>
-        <p:nvSpPr>
           <p:cNvPr id="4" name="Date Placeholder 3"/>
           <p:cNvSpPr>
             <a:spLocks noGrp="1"/>
@@ -17087,38 +17369,15 @@
           <a:p>
             <a:r>
               <a:rPr lang="en-US" smtClean="0"/>
-              <a:t>8/6-8/2012</a:t>
-            </a:r>
-            <a:endParaRPr lang="en-US"/>
-          </a:p>
-        </p:txBody>
-      </p:sp>
-      <p:sp>
-        <p:nvSpPr>
-          <p:cNvPr id="5" name="Footer Placeholder 4"/>
-          <p:cNvSpPr>
-            <a:spLocks noGrp="1"/>
-          </p:cNvSpPr>
-          <p:nvPr>
-            <p:ph type="ftr" sz="quarter" idx="11"/>
-          </p:nvPr>
-        </p:nvSpPr>
-        <p:spPr/>
-        <p:txBody>
-          <a:bodyPr/>
-          <a:lstStyle/>
-          <a:p>
-            <a:r>
-              <a:rPr lang="en-US" smtClean="0"/>
-              <a:t>ASP2012 Grid School</a:t>
-            </a:r>
-            <a:endParaRPr lang="en-US"/>
-          </a:p>
-        </p:txBody>
-      </p:sp>
-      <p:sp>
-        <p:nvSpPr>
-          <p:cNvPr id="6" name="Slide Number Placeholder 5"/>
+              <a:t>8/21-22/2014</a:t>
+            </a:r>
+            <a:endParaRPr lang="en-US"/>
+          </a:p>
+        </p:txBody>
+      </p:sp>
+      <p:sp>
+        <p:nvSpPr>
+          <p:cNvPr id="5" name="Slide Number Placeholder 4"/>
           <p:cNvSpPr>
             <a:spLocks noGrp="1"/>
           </p:cNvSpPr>
@@ -17140,16 +17399,237 @@
           </a:p>
         </p:txBody>
       </p:sp>
+      <p:sp>
+        <p:nvSpPr>
+          <p:cNvPr id="6" name="Footer Placeholder 5"/>
+          <p:cNvSpPr>
+            <a:spLocks noGrp="1"/>
+          </p:cNvSpPr>
+          <p:nvPr>
+            <p:ph type="ftr" sz="quarter" idx="11"/>
+          </p:nvPr>
+        </p:nvSpPr>
+        <p:spPr/>
+        <p:txBody>
+          <a:bodyPr/>
+          <a:lstStyle/>
+          <a:p>
+            <a:r>
+              <a:rPr lang="en-US" smtClean="0"/>
+              <a:t>ASP2014 Grid School</a:t>
+            </a:r>
+            <a:endParaRPr lang="en-US"/>
+          </a:p>
+        </p:txBody>
+      </p:sp>
     </p:spTree>
-    <p:extLst>
-      <p:ext uri="{BB962C8B-B14F-4D97-AF65-F5344CB8AC3E}">
-        <p14:creationId xmlns:p14="http://schemas.microsoft.com/office/powerpoint/2010/main" val="1595562524"/>
-      </p:ext>
-    </p:extLst>
   </p:cSld>
   <p:clrMapOvr>
     <a:masterClrMapping/>
   </p:clrMapOvr>
+  <p:timing>
+    <p:tnLst>
+      <p:par>
+        <p:cTn xmlns:p14="http://schemas.microsoft.com/office/powerpoint/2010/main" id="1" dur="indefinite" restart="never" nodeType="tmRoot"/>
+      </p:par>
+    </p:tnLst>
+  </p:timing>
+</p:sld>
+</file>
+
+<file path=ppt/slides/slide15.xml><?xml version="1.0" encoding="utf-8"?>
+<p:sld xmlns:a="http://schemas.openxmlformats.org/drawingml/2006/main" xmlns:r="http://schemas.openxmlformats.org/officeDocument/2006/relationships" xmlns:p="http://schemas.openxmlformats.org/presentationml/2006/main">
+  <p:cSld>
+    <p:spTree>
+      <p:nvGrpSpPr>
+        <p:cNvPr id="1" name=""/>
+        <p:cNvGrpSpPr/>
+        <p:nvPr/>
+      </p:nvGrpSpPr>
+      <p:grpSpPr>
+        <a:xfrm>
+          <a:off x="0" y="0"/>
+          <a:ext cx="0" cy="0"/>
+          <a:chOff x="0" y="0"/>
+          <a:chExt cx="0" cy="0"/>
+        </a:xfrm>
+      </p:grpSpPr>
+      <p:sp>
+        <p:nvSpPr>
+          <p:cNvPr id="2" name="Title 1"/>
+          <p:cNvSpPr>
+            <a:spLocks noGrp="1"/>
+          </p:cNvSpPr>
+          <p:nvPr>
+            <p:ph type="title"/>
+          </p:nvPr>
+        </p:nvSpPr>
+        <p:spPr/>
+        <p:txBody>
+          <a:bodyPr/>
+          <a:lstStyle/>
+          <a:p>
+            <a:r>
+              <a:rPr lang="en-US" dirty="0" smtClean="0">
+                <a:solidFill>
+                  <a:srgbClr val="002060"/>
+                </a:solidFill>
+              </a:rPr>
+              <a:t>Conclusion</a:t>
+            </a:r>
+            <a:endParaRPr lang="en-US" dirty="0">
+              <a:solidFill>
+                <a:srgbClr val="002060"/>
+              </a:solidFill>
+            </a:endParaRPr>
+          </a:p>
+        </p:txBody>
+      </p:sp>
+      <p:sp>
+        <p:nvSpPr>
+          <p:cNvPr id="3" name="Content Placeholder 2"/>
+          <p:cNvSpPr>
+            <a:spLocks noGrp="1"/>
+          </p:cNvSpPr>
+          <p:nvPr>
+            <p:ph idx="1"/>
+          </p:nvPr>
+        </p:nvSpPr>
+        <p:spPr/>
+        <p:txBody>
+          <a:bodyPr/>
+          <a:lstStyle/>
+          <a:p>
+            <a:r>
+              <a:rPr lang="en-US" dirty="0" smtClean="0"/>
+              <a:t>After completing Steps 1 </a:t>
+            </a:r>
+            <a:r>
+              <a:rPr lang="en-US" dirty="0"/>
+              <a:t>-</a:t>
+            </a:r>
+            <a:r>
+              <a:rPr lang="en-US" dirty="0" smtClean="0"/>
+              <a:t> </a:t>
+            </a:r>
+            <a:r>
+              <a:rPr lang="en-US" dirty="0"/>
+              <a:t>3</a:t>
+            </a:r>
+            <a:r>
+              <a:rPr lang="en-US" dirty="0" smtClean="0"/>
+              <a:t> </a:t>
+            </a:r>
+            <a:r>
+              <a:rPr lang="en-US" dirty="0" smtClean="0"/>
+              <a:t>you are in principle ready to scale up and make </a:t>
+            </a:r>
+            <a:r>
+              <a:rPr lang="en-US" dirty="0" err="1" smtClean="0"/>
+              <a:t>TTree’s</a:t>
+            </a:r>
+            <a:r>
+              <a:rPr lang="en-US" dirty="0" smtClean="0"/>
+              <a:t> with hundreds of variables and create and analyze thousands of files</a:t>
+            </a:r>
+          </a:p>
+          <a:p>
+            <a:r>
+              <a:rPr lang="en-US" dirty="0" smtClean="0"/>
+              <a:t>If time permits you can try adding your own features to the existing example by adding variables and histograms, etc.</a:t>
+            </a:r>
+          </a:p>
+          <a:p>
+            <a:r>
+              <a:rPr lang="en-US" dirty="0" smtClean="0"/>
+              <a:t>Good luck and have fun!!</a:t>
+            </a:r>
+            <a:endParaRPr lang="en-US" dirty="0"/>
+          </a:p>
+        </p:txBody>
+      </p:sp>
+      <p:sp>
+        <p:nvSpPr>
+          <p:cNvPr id="4" name="Date Placeholder 3"/>
+          <p:cNvSpPr>
+            <a:spLocks noGrp="1"/>
+          </p:cNvSpPr>
+          <p:nvPr>
+            <p:ph type="dt" sz="half" idx="10"/>
+          </p:nvPr>
+        </p:nvSpPr>
+        <p:spPr/>
+        <p:txBody>
+          <a:bodyPr/>
+          <a:lstStyle/>
+          <a:p>
+            <a:r>
+              <a:rPr lang="en-US" smtClean="0"/>
+              <a:t>8/21-22/2014</a:t>
+            </a:r>
+            <a:endParaRPr lang="en-US"/>
+          </a:p>
+        </p:txBody>
+      </p:sp>
+      <p:sp>
+        <p:nvSpPr>
+          <p:cNvPr id="5" name="Slide Number Placeholder 4"/>
+          <p:cNvSpPr>
+            <a:spLocks noGrp="1"/>
+          </p:cNvSpPr>
+          <p:nvPr>
+            <p:ph type="sldNum" sz="quarter" idx="12"/>
+          </p:nvPr>
+        </p:nvSpPr>
+        <p:spPr/>
+        <p:txBody>
+          <a:bodyPr/>
+          <a:lstStyle/>
+          <a:p>
+            <a:fld id="{48AB6E34-F262-4D92-86D1-90DABD0568EC}" type="slidenum">
+              <a:rPr lang="en-US" smtClean="0"/>
+              <a:pPr/>
+              <a:t>15</a:t>
+            </a:fld>
+            <a:endParaRPr lang="en-US"/>
+          </a:p>
+        </p:txBody>
+      </p:sp>
+      <p:sp>
+        <p:nvSpPr>
+          <p:cNvPr id="6" name="Footer Placeholder 5"/>
+          <p:cNvSpPr>
+            <a:spLocks noGrp="1"/>
+          </p:cNvSpPr>
+          <p:nvPr>
+            <p:ph type="ftr" sz="quarter" idx="11"/>
+          </p:nvPr>
+        </p:nvSpPr>
+        <p:spPr/>
+        <p:txBody>
+          <a:bodyPr/>
+          <a:lstStyle/>
+          <a:p>
+            <a:r>
+              <a:rPr lang="en-US" smtClean="0"/>
+              <a:t>ASP2014 Grid School</a:t>
+            </a:r>
+            <a:endParaRPr lang="en-US"/>
+          </a:p>
+        </p:txBody>
+      </p:sp>
+    </p:spTree>
+  </p:cSld>
+  <p:clrMapOvr>
+    <a:masterClrMapping/>
+  </p:clrMapOvr>
+  <p:timing>
+    <p:tnLst>
+      <p:par>
+        <p:cTn xmlns:p14="http://schemas.microsoft.com/office/powerpoint/2010/main" id="1" dur="indefinite" restart="never" nodeType="tmRoot"/>
+      </p:par>
+    </p:tnLst>
+  </p:timing>
 </p:sld>
 </file>
 
@@ -17320,7 +17800,7 @@
           <a:p>
             <a:r>
               <a:rPr lang="en-US" smtClean="0"/>
-              <a:t>8/6-8/2012</a:t>
+              <a:t>8/21-22/2014</a:t>
             </a:r>
             <a:endParaRPr lang="en-US"/>
           </a:p>
@@ -17367,7 +17847,7 @@
           <a:p>
             <a:r>
               <a:rPr lang="en-US" smtClean="0"/>
-              <a:t>ASP2012 Grid School</a:t>
+              <a:t>ASP2014 Grid School</a:t>
             </a:r>
             <a:endParaRPr lang="en-US"/>
           </a:p>
@@ -17547,7 +18027,23 @@
           <a:p>
             <a:r>
               <a:rPr lang="en-US" dirty="0" smtClean="0"/>
-              <a:t>We will illustrate steps 1 and 2 today</a:t>
+              <a:t>We will illustrate steps </a:t>
+            </a:r>
+            <a:r>
+              <a:rPr lang="en-US" dirty="0" smtClean="0"/>
+              <a:t>1, 2 and </a:t>
+            </a:r>
+            <a:r>
+              <a:rPr lang="en-US" dirty="0"/>
+              <a:t>4</a:t>
+            </a:r>
+            <a:r>
+              <a:rPr lang="en-US" dirty="0" smtClean="0"/>
+              <a:t> </a:t>
+            </a:r>
+            <a:r>
+              <a:rPr lang="en-US" dirty="0" smtClean="0"/>
+              <a:t>today</a:t>
             </a:r>
             <a:endParaRPr lang="en-US" dirty="0"/>
           </a:p>
@@ -17570,7 +18066,7 @@
           <a:p>
             <a:r>
               <a:rPr lang="en-US" smtClean="0"/>
-              <a:t>8/6-8/2012</a:t>
+              <a:t>8/21-22/2014</a:t>
             </a:r>
             <a:endParaRPr lang="en-US"/>
           </a:p>
@@ -17617,7 +18113,7 @@
           <a:p>
             <a:r>
               <a:rPr lang="en-US" smtClean="0"/>
-              <a:t>ASP2012 Grid School</a:t>
+              <a:t>ASP2014 Grid School</a:t>
             </a:r>
             <a:endParaRPr lang="en-US"/>
           </a:p>
@@ -17767,7 +18263,7 @@
           <a:p>
             <a:r>
               <a:rPr lang="en-US" smtClean="0"/>
-              <a:t>8/6-8/2012</a:t>
+              <a:t>8/21-22/2014</a:t>
             </a:r>
             <a:endParaRPr lang="en-US"/>
           </a:p>
@@ -17814,7 +18310,7 @@
           <a:p>
             <a:r>
               <a:rPr lang="en-US" smtClean="0"/>
-              <a:t>ASP2012 Grid School</a:t>
+              <a:t>ASP2014 Grid School</a:t>
             </a:r>
             <a:endParaRPr lang="en-US"/>
           </a:p>
@@ -17975,7 +18471,7 @@
           <a:p>
             <a:r>
               <a:rPr lang="en-US" smtClean="0"/>
-              <a:t>8/6-8/2012</a:t>
+              <a:t>8/21-22/2014</a:t>
             </a:r>
             <a:endParaRPr lang="en-US"/>
           </a:p>
@@ -17998,7 +18494,7 @@
           <a:p>
             <a:r>
               <a:rPr lang="en-US" smtClean="0"/>
-              <a:t>ASP2012 Grid School</a:t>
+              <a:t>ASP2014 Grid School</a:t>
             </a:r>
             <a:endParaRPr lang="en-US"/>
           </a:p>
@@ -18276,7 +18772,7 @@
           <a:p>
             <a:r>
               <a:rPr lang="en-US" smtClean="0"/>
-              <a:t>8/6-8/2012</a:t>
+              <a:t>8/21-22/2014</a:t>
             </a:r>
             <a:endParaRPr lang="en-US"/>
           </a:p>
@@ -18323,7 +18819,7 @@
           <a:p>
             <a:r>
               <a:rPr lang="en-US" smtClean="0"/>
-              <a:t>ASP2012 Grid School</a:t>
+              <a:t>ASP2014 Grid School</a:t>
             </a:r>
             <a:endParaRPr lang="en-US"/>
           </a:p>
@@ -18562,7 +19058,7 @@
           <a:p>
             <a:r>
               <a:rPr lang="en-US" smtClean="0"/>
-              <a:t>8/6-8/2012</a:t>
+              <a:t>8/21-22/2014</a:t>
             </a:r>
             <a:endParaRPr lang="en-US"/>
           </a:p>
@@ -18609,7 +19105,7 @@
           <a:p>
             <a:r>
               <a:rPr lang="en-US" smtClean="0"/>
-              <a:t>ASP2012 Grid School</a:t>
+              <a:t>ASP2014 Grid School</a:t>
             </a:r>
             <a:endParaRPr lang="en-US"/>
           </a:p>
@@ -18849,7 +19345,7 @@
           <a:p>
             <a:r>
               <a:rPr lang="en-US" smtClean="0"/>
-              <a:t>8/6-8/2012</a:t>
+              <a:t>8/21-22/2014</a:t>
             </a:r>
             <a:endParaRPr lang="en-US"/>
           </a:p>
@@ -18896,7 +19392,7 @@
           <a:p>
             <a:r>
               <a:rPr lang="en-US" smtClean="0"/>
-              <a:t>ASP2012 Grid School</a:t>
+              <a:t>ASP2014 Grid School</a:t>
             </a:r>
             <a:endParaRPr lang="en-US"/>
           </a:p>
@@ -18946,30 +19442,16 @@
         </p:nvSpPr>
         <p:spPr/>
         <p:txBody>
-          <a:bodyPr/>
-          <a:lstStyle/>
-          <a:p>
-            <a:r>
-              <a:rPr lang="en-US" dirty="0" smtClean="0">
-                <a:solidFill>
-                  <a:srgbClr val="002060"/>
-                </a:solidFill>
-              </a:rPr>
-              <a:t>Step 2: make </a:t>
-            </a:r>
-            <a:r>
-              <a:rPr lang="en-US" dirty="0" err="1" smtClean="0">
-                <a:solidFill>
-                  <a:srgbClr val="002060"/>
-                </a:solidFill>
-              </a:rPr>
-              <a:t>TSelector</a:t>
-            </a:r>
-            <a:endParaRPr lang="en-US" dirty="0">
-              <a:solidFill>
-                <a:srgbClr val="002060"/>
-              </a:solidFill>
-            </a:endParaRPr>
+          <a:bodyPr>
+            <a:normAutofit fontScale="90000"/>
+          </a:bodyPr>
+          <a:lstStyle/>
+          <a:p>
+            <a:r>
+              <a:rPr lang="en-US" dirty="0" smtClean="0"/>
+              <a:t>Step 2: Analyze real data on the grid and with Root </a:t>
+            </a:r>
+            <a:endParaRPr lang="en-US" dirty="0"/>
           </a:p>
         </p:txBody>
       </p:sp>
@@ -18985,125 +19467,70 @@
         </p:nvSpPr>
         <p:spPr/>
         <p:txBody>
-          <a:bodyPr/>
-          <a:lstStyle/>
-          <a:p>
-            <a:pPr>
-              <a:buNone/>
-            </a:pPr>
-            <a:r>
-              <a:rPr lang="en-US" dirty="0" err="1" smtClean="0">
-                <a:solidFill>
-                  <a:srgbClr val="C00000"/>
-                </a:solidFill>
-              </a:rPr>
-              <a:t>TFile</a:t>
-            </a:r>
-            <a:r>
-              <a:rPr lang="en-US" dirty="0" smtClean="0">
-                <a:solidFill>
-                  <a:srgbClr val="C00000"/>
-                </a:solidFill>
-              </a:rPr>
-              <a:t> f("t00.root");  //open file</a:t>
-            </a:r>
-          </a:p>
-          <a:p>
-            <a:pPr>
-              <a:buNone/>
-            </a:pPr>
-            <a:r>
-              <a:rPr lang="en-US" dirty="0" smtClean="0">
-                <a:solidFill>
-                  <a:srgbClr val="C00000"/>
-                </a:solidFill>
-              </a:rPr>
-              <a:t>t0.MakeSelector("s0");  //create </a:t>
-            </a:r>
-            <a:r>
-              <a:rPr lang="en-US" dirty="0" err="1" smtClean="0">
-                <a:solidFill>
-                  <a:srgbClr val="C00000"/>
-                </a:solidFill>
-              </a:rPr>
-              <a:t>TSelector</a:t>
-            </a:r>
-            <a:r>
-              <a:rPr lang="en-US" dirty="0" smtClean="0">
-                <a:solidFill>
-                  <a:srgbClr val="C00000"/>
-                </a:solidFill>
-              </a:rPr>
-              <a:t> “s0”</a:t>
-            </a:r>
-          </a:p>
-          <a:p>
-            <a:pPr>
-              <a:buNone/>
-            </a:pPr>
-            <a:r>
-              <a:rPr lang="en-US" dirty="0" err="1" smtClean="0">
-                <a:solidFill>
-                  <a:srgbClr val="C00000"/>
-                </a:solidFill>
-              </a:rPr>
-              <a:t>f.Close</a:t>
-            </a:r>
-            <a:r>
-              <a:rPr lang="en-US" dirty="0" smtClean="0">
-                <a:solidFill>
-                  <a:srgbClr val="C00000"/>
-                </a:solidFill>
-              </a:rPr>
-              <a:t>();  //close file</a:t>
-            </a:r>
-          </a:p>
-          <a:p>
-            <a:pPr>
-              <a:buNone/>
-            </a:pPr>
-            <a:endParaRPr lang="en-US" dirty="0">
-              <a:solidFill>
-                <a:srgbClr val="C00000"/>
-              </a:solidFill>
-            </a:endParaRPr>
-          </a:p>
-          <a:p>
-            <a:pPr>
-              <a:buNone/>
-            </a:pPr>
+          <a:bodyPr>
+            <a:normAutofit lnSpcReduction="10000"/>
+          </a:bodyPr>
+          <a:lstStyle/>
+          <a:p>
             <a:r>
               <a:rPr lang="en-US" dirty="0" smtClean="0"/>
-              <a:t>This creates two files with code: </a:t>
-            </a:r>
-            <a:r>
-              <a:rPr lang="en-US" dirty="0" smtClean="0">
-                <a:solidFill>
-                  <a:srgbClr val="002060"/>
-                </a:solidFill>
-              </a:rPr>
-              <a:t>s0.C</a:t>
+              <a:t>First we will run a Root macro to read di-</a:t>
+            </a:r>
+            <a:r>
+              <a:rPr lang="en-US" dirty="0" err="1" smtClean="0"/>
+              <a:t>muon</a:t>
             </a:r>
             <a:r>
               <a:rPr lang="en-US" dirty="0" smtClean="0"/>
-              <a:t> and </a:t>
-            </a:r>
-            <a:r>
-              <a:rPr lang="en-US" dirty="0" smtClean="0">
-                <a:solidFill>
-                  <a:srgbClr val="002060"/>
-                </a:solidFill>
-              </a:rPr>
-              <a:t>s0.h</a:t>
-            </a:r>
-          </a:p>
-          <a:p>
-            <a:pPr>
-              <a:buNone/>
-            </a:pPr>
+              <a:t> events and fill a </a:t>
+            </a:r>
+            <a:r>
+              <a:rPr lang="en-US" dirty="0" err="1" smtClean="0"/>
+              <a:t>Ttree</a:t>
+            </a:r>
             <a:r>
               <a:rPr lang="en-US" dirty="0" smtClean="0"/>
-              <a:t>We will modify these files to add a histogram of the Energy variable and use them to process the simulated data on the Grid</a:t>
+              <a:t> with associated variables such as energy and transverse momentum</a:t>
+            </a:r>
+          </a:p>
+          <a:p>
+            <a:r>
+              <a:rPr lang="en-US" dirty="0" smtClean="0"/>
+              <a:t>The macro also determines the invariant mass of the </a:t>
+            </a:r>
+            <a:r>
+              <a:rPr lang="en-US" dirty="0" err="1" smtClean="0"/>
+              <a:t>muon</a:t>
+            </a:r>
+            <a:r>
+              <a:rPr lang="en-US" dirty="0" smtClean="0"/>
+              <a:t> pairs.</a:t>
+            </a:r>
+          </a:p>
+          <a:p>
+            <a:r>
+              <a:rPr lang="en-US" dirty="0" smtClean="0"/>
+              <a:t>Finally, we will examine the invariant mass with a Root </a:t>
+            </a:r>
+            <a:r>
+              <a:rPr lang="en-US" dirty="0" err="1" smtClean="0"/>
+              <a:t>TBrowser</a:t>
+            </a:r>
+            <a:r>
+              <a:rPr lang="en-US" dirty="0" smtClean="0"/>
+              <a:t> to determine the </a:t>
+            </a:r>
+            <a:r>
+              <a:rPr lang="en-US" dirty="0" err="1" smtClean="0"/>
+              <a:t>Zpeak</a:t>
+            </a:r>
+            <a:r>
+              <a:rPr lang="en-US" dirty="0" smtClean="0"/>
+              <a:t> </a:t>
+            </a:r>
+            <a:r>
+              <a:rPr lang="en-US" dirty="0" err="1" smtClean="0"/>
+              <a:t>masss</a:t>
             </a:r>
             <a:endParaRPr lang="en-US" dirty="0"/>
           </a:p>
@@ -19126,15 +19553,38 @@
           <a:p>
             <a:r>
               <a:rPr lang="en-US" smtClean="0"/>
-              <a:t>8/6-8/2012</a:t>
-            </a:r>
-            <a:endParaRPr lang="en-US"/>
-          </a:p>
-        </p:txBody>
-      </p:sp>
-      <p:sp>
-        <p:nvSpPr>
-          <p:cNvPr id="5" name="Slide Number Placeholder 4"/>
+              <a:t>8/21-22/2014</a:t>
+            </a:r>
+            <a:endParaRPr lang="en-US"/>
+          </a:p>
+        </p:txBody>
+      </p:sp>
+      <p:sp>
+        <p:nvSpPr>
+          <p:cNvPr id="5" name="Footer Placeholder 4"/>
+          <p:cNvSpPr>
+            <a:spLocks noGrp="1"/>
+          </p:cNvSpPr>
+          <p:nvPr>
+            <p:ph type="ftr" sz="quarter" idx="11"/>
+          </p:nvPr>
+        </p:nvSpPr>
+        <p:spPr/>
+        <p:txBody>
+          <a:bodyPr/>
+          <a:lstStyle/>
+          <a:p>
+            <a:r>
+              <a:rPr lang="en-US" smtClean="0"/>
+              <a:t>ASP2014 Grid School</a:t>
+            </a:r>
+            <a:endParaRPr lang="en-US"/>
+          </a:p>
+        </p:txBody>
+      </p:sp>
+      <p:sp>
+        <p:nvSpPr>
+          <p:cNvPr id="6" name="Slide Number Placeholder 5"/>
           <p:cNvSpPr>
             <a:spLocks noGrp="1"/>
           </p:cNvSpPr>
@@ -19156,41 +19606,16 @@
           </a:p>
         </p:txBody>
       </p:sp>
-      <p:sp>
-        <p:nvSpPr>
-          <p:cNvPr id="6" name="Footer Placeholder 5"/>
-          <p:cNvSpPr>
-            <a:spLocks noGrp="1"/>
-          </p:cNvSpPr>
-          <p:nvPr>
-            <p:ph type="ftr" sz="quarter" idx="11"/>
-          </p:nvPr>
-        </p:nvSpPr>
-        <p:spPr/>
-        <p:txBody>
-          <a:bodyPr/>
-          <a:lstStyle/>
-          <a:p>
-            <a:r>
-              <a:rPr lang="en-US" smtClean="0"/>
-              <a:t>ASP2012 Grid School</a:t>
-            </a:r>
-            <a:endParaRPr lang="en-US"/>
-          </a:p>
-        </p:txBody>
-      </p:sp>
     </p:spTree>
+    <p:extLst>
+      <p:ext uri="{BB962C8B-B14F-4D97-AF65-F5344CB8AC3E}">
+        <p14:creationId xmlns:p14="http://schemas.microsoft.com/office/powerpoint/2010/main" val="2749928662"/>
+      </p:ext>
+    </p:extLst>
   </p:cSld>
   <p:clrMapOvr>
     <a:masterClrMapping/>
   </p:clrMapOvr>
-  <p:timing>
-    <p:tnLst>
-      <p:par>
-        <p:cTn xmlns:p14="http://schemas.microsoft.com/office/powerpoint/2010/main" id="1" dur="indefinite" restart="never" nodeType="tmRoot"/>
-      </p:par>
-    </p:tnLst>
-  </p:timing>
 </p:sld>
 </file>
 
